--- a/Projeto Interdisciplinar.pptx
+++ b/Projeto Interdisciplinar.pptx
@@ -7022,56 +7022,6 @@
           </a:p>
         </p:txBody>
       </p:sp>
-      <p:pic>
-        <p:nvPicPr>
-          <p:cNvPr id="4" name="Imagem 3">
-            <a:extLst>
-              <a:ext uri="{FF2B5EF4-FFF2-40B4-BE49-F238E27FC236}">
-                <a16:creationId xmlns:a16="http://schemas.microsoft.com/office/drawing/2014/main" id="{19E04C81-2957-422F-931F-44501DD65807}"/>
-              </a:ext>
-            </a:extLst>
-          </p:cNvPr>
-          <p:cNvPicPr>
-            <a:picLocks noChangeAspect="1"/>
-          </p:cNvPicPr>
-          <p:nvPr/>
-        </p:nvPicPr>
-        <p:blipFill>
-          <a:blip r:embed="rId2">
-            <a:extLst>
-              <a:ext uri="{28A0092B-C50C-407E-A947-70E740481C1C}">
-                <a14:useLocalDpi xmlns:a14="http://schemas.microsoft.com/office/drawing/2010/main" val="0"/>
-              </a:ext>
-            </a:extLst>
-          </a:blip>
-          <a:stretch>
-            <a:fillRect/>
-          </a:stretch>
-        </p:blipFill>
-        <p:spPr>
-          <a:xfrm>
-            <a:off x="23242" y="-1"/>
-            <a:ext cx="6257924" cy="6857999"/>
-          </a:xfrm>
-          <a:prstGeom prst="rect">
-            <a:avLst/>
-          </a:prstGeom>
-          <a:ln w="15875">
-            <a:solidFill>
-              <a:srgbClr val="FFFFFF">
-                <a:alpha val="40000"/>
-              </a:srgbClr>
-            </a:solidFill>
-          </a:ln>
-          <a:effectLst>
-            <a:innerShdw blurRad="57150" dist="38100" dir="14460000">
-              <a:prstClr val="black">
-                <a:alpha val="70000"/>
-              </a:prstClr>
-            </a:innerShdw>
-          </a:effectLst>
-        </p:spPr>
-      </p:pic>
       <p:grpSp>
         <p:nvGrpSpPr>
           <p:cNvPr id="36" name="Group 20">
@@ -7354,6 +7304,42 @@
           </p:style>
         </p:cxnSp>
       </p:grpSp>
+      <p:pic>
+        <p:nvPicPr>
+          <p:cNvPr id="5" name="Imagem 4">
+            <a:extLst>
+              <a:ext uri="{FF2B5EF4-FFF2-40B4-BE49-F238E27FC236}">
+                <a16:creationId xmlns:a16="http://schemas.microsoft.com/office/drawing/2014/main" id="{165DD436-23EB-438D-A187-F042BAF1F978}"/>
+              </a:ext>
+            </a:extLst>
+          </p:cNvPr>
+          <p:cNvPicPr>
+            <a:picLocks noChangeAspect="1"/>
+          </p:cNvPicPr>
+          <p:nvPr/>
+        </p:nvPicPr>
+        <p:blipFill>
+          <a:blip r:embed="rId2">
+            <a:extLst>
+              <a:ext uri="{28A0092B-C50C-407E-A947-70E740481C1C}">
+                <a14:useLocalDpi xmlns:a14="http://schemas.microsoft.com/office/drawing/2010/main" val="0"/>
+              </a:ext>
+            </a:extLst>
+          </a:blip>
+          <a:stretch>
+            <a:fillRect/>
+          </a:stretch>
+        </p:blipFill>
+        <p:spPr>
+          <a:xfrm>
+            <a:off x="-13950" y="-9261"/>
+            <a:ext cx="6242242" cy="6858000"/>
+          </a:xfrm>
+          <a:prstGeom prst="rect">
+            <a:avLst/>
+          </a:prstGeom>
+        </p:spPr>
+      </p:pic>
     </p:spTree>
     <p:extLst>
       <p:ext uri="{BB962C8B-B14F-4D97-AF65-F5344CB8AC3E}">

--- a/Projeto Interdisciplinar.pptx
+++ b/Projeto Interdisciplinar.pptx
@@ -6,12 +6,15 @@
   </p:sldMasterIdLst>
   <p:sldIdLst>
     <p:sldId id="256" r:id="rId2"/>
-    <p:sldId id="257" r:id="rId3"/>
-    <p:sldId id="262" r:id="rId4"/>
-    <p:sldId id="258" r:id="rId5"/>
+    <p:sldId id="262" r:id="rId3"/>
+    <p:sldId id="258" r:id="rId4"/>
+    <p:sldId id="257" r:id="rId5"/>
     <p:sldId id="259" r:id="rId6"/>
-    <p:sldId id="260" r:id="rId7"/>
-    <p:sldId id="261" r:id="rId8"/>
+    <p:sldId id="265" r:id="rId7"/>
+    <p:sldId id="260" r:id="rId8"/>
+    <p:sldId id="261" r:id="rId9"/>
+    <p:sldId id="264" r:id="rId10"/>
+    <p:sldId id="263" r:id="rId11"/>
   </p:sldIdLst>
   <p:sldSz cx="12192000" cy="6858000"/>
   <p:notesSz cx="6858000" cy="9144000"/>
@@ -309,7 +312,7 @@
           <a:p>
             <a:fld id="{D0EA8619-360D-4F4E-9D74-9A8FFFF3D2F5}" type="datetimeFigureOut">
               <a:rPr lang="pt-BR" smtClean="0"/>
-              <a:t>24/06/2024</a:t>
+              <a:t>25/06/2024</a:t>
             </a:fld>
             <a:endParaRPr lang="pt-BR"/>
           </a:p>
@@ -745,7 +748,7 @@
           <a:p>
             <a:fld id="{D0EA8619-360D-4F4E-9D74-9A8FFFF3D2F5}" type="datetimeFigureOut">
               <a:rPr lang="pt-BR" smtClean="0"/>
-              <a:t>24/06/2024</a:t>
+              <a:t>25/06/2024</a:t>
             </a:fld>
             <a:endParaRPr lang="pt-BR"/>
           </a:p>
@@ -995,7 +998,7 @@
           <a:p>
             <a:fld id="{D0EA8619-360D-4F4E-9D74-9A8FFFF3D2F5}" type="datetimeFigureOut">
               <a:rPr lang="pt-BR" smtClean="0"/>
-              <a:t>24/06/2024</a:t>
+              <a:t>25/06/2024</a:t>
             </a:fld>
             <a:endParaRPr lang="pt-BR"/>
           </a:p>
@@ -1303,7 +1306,7 @@
           <a:p>
             <a:fld id="{D0EA8619-360D-4F4E-9D74-9A8FFFF3D2F5}" type="datetimeFigureOut">
               <a:rPr lang="pt-BR" smtClean="0"/>
-              <a:t>24/06/2024</a:t>
+              <a:t>25/06/2024</a:t>
             </a:fld>
             <a:endParaRPr lang="pt-BR"/>
           </a:p>
@@ -1621,7 +1624,7 @@
           <a:p>
             <a:fld id="{D0EA8619-360D-4F4E-9D74-9A8FFFF3D2F5}" type="datetimeFigureOut">
               <a:rPr lang="pt-BR" smtClean="0"/>
-              <a:t>24/06/2024</a:t>
+              <a:t>25/06/2024</a:t>
             </a:fld>
             <a:endParaRPr lang="pt-BR"/>
           </a:p>
@@ -1923,7 +1926,7 @@
           <a:p>
             <a:fld id="{D0EA8619-360D-4F4E-9D74-9A8FFFF3D2F5}" type="datetimeFigureOut">
               <a:rPr lang="pt-BR" smtClean="0"/>
-              <a:t>24/06/2024</a:t>
+              <a:t>25/06/2024</a:t>
             </a:fld>
             <a:endParaRPr lang="pt-BR"/>
           </a:p>
@@ -2290,7 +2293,7 @@
           <a:p>
             <a:fld id="{D0EA8619-360D-4F4E-9D74-9A8FFFF3D2F5}" type="datetimeFigureOut">
               <a:rPr lang="pt-BR" smtClean="0"/>
-              <a:t>24/06/2024</a:t>
+              <a:t>25/06/2024</a:t>
             </a:fld>
             <a:endParaRPr lang="pt-BR"/>
           </a:p>
@@ -2464,7 +2467,7 @@
           <a:p>
             <a:fld id="{D0EA8619-360D-4F4E-9D74-9A8FFFF3D2F5}" type="datetimeFigureOut">
               <a:rPr lang="pt-BR" smtClean="0"/>
-              <a:t>24/06/2024</a:t>
+              <a:t>25/06/2024</a:t>
             </a:fld>
             <a:endParaRPr lang="pt-BR"/>
           </a:p>
@@ -2644,7 +2647,7 @@
           <a:p>
             <a:fld id="{D0EA8619-360D-4F4E-9D74-9A8FFFF3D2F5}" type="datetimeFigureOut">
               <a:rPr lang="pt-BR" smtClean="0"/>
-              <a:t>24/06/2024</a:t>
+              <a:t>25/06/2024</a:t>
             </a:fld>
             <a:endParaRPr lang="pt-BR"/>
           </a:p>
@@ -2814,7 +2817,7 @@
           <a:p>
             <a:fld id="{D0EA8619-360D-4F4E-9D74-9A8FFFF3D2F5}" type="datetimeFigureOut">
               <a:rPr lang="pt-BR" smtClean="0"/>
-              <a:t>24/06/2024</a:t>
+              <a:t>25/06/2024</a:t>
             </a:fld>
             <a:endParaRPr lang="pt-BR"/>
           </a:p>
@@ -3064,7 +3067,7 @@
           <a:p>
             <a:fld id="{D0EA8619-360D-4F4E-9D74-9A8FFFF3D2F5}" type="datetimeFigureOut">
               <a:rPr lang="pt-BR" smtClean="0"/>
-              <a:t>24/06/2024</a:t>
+              <a:t>25/06/2024</a:t>
             </a:fld>
             <a:endParaRPr lang="pt-BR"/>
           </a:p>
@@ -3300,7 +3303,7 @@
           <a:p>
             <a:fld id="{D0EA8619-360D-4F4E-9D74-9A8FFFF3D2F5}" type="datetimeFigureOut">
               <a:rPr lang="pt-BR" smtClean="0"/>
-              <a:t>24/06/2024</a:t>
+              <a:t>25/06/2024</a:t>
             </a:fld>
             <a:endParaRPr lang="pt-BR"/>
           </a:p>
@@ -3682,7 +3685,7 @@
           <a:p>
             <a:fld id="{D0EA8619-360D-4F4E-9D74-9A8FFFF3D2F5}" type="datetimeFigureOut">
               <a:rPr lang="pt-BR" smtClean="0"/>
-              <a:t>24/06/2024</a:t>
+              <a:t>25/06/2024</a:t>
             </a:fld>
             <a:endParaRPr lang="pt-BR"/>
           </a:p>
@@ -3800,7 +3803,7 @@
           <a:p>
             <a:fld id="{D0EA8619-360D-4F4E-9D74-9A8FFFF3D2F5}" type="datetimeFigureOut">
               <a:rPr lang="pt-BR" smtClean="0"/>
-              <a:t>24/06/2024</a:t>
+              <a:t>25/06/2024</a:t>
             </a:fld>
             <a:endParaRPr lang="pt-BR"/>
           </a:p>
@@ -3895,7 +3898,7 @@
           <a:p>
             <a:fld id="{D0EA8619-360D-4F4E-9D74-9A8FFFF3D2F5}" type="datetimeFigureOut">
               <a:rPr lang="pt-BR" smtClean="0"/>
-              <a:t>24/06/2024</a:t>
+              <a:t>25/06/2024</a:t>
             </a:fld>
             <a:endParaRPr lang="pt-BR"/>
           </a:p>
@@ -4150,7 +4153,7 @@
           <a:p>
             <a:fld id="{D0EA8619-360D-4F4E-9D74-9A8FFFF3D2F5}" type="datetimeFigureOut">
               <a:rPr lang="pt-BR" smtClean="0"/>
-              <a:t>24/06/2024</a:t>
+              <a:t>25/06/2024</a:t>
             </a:fld>
             <a:endParaRPr lang="pt-BR"/>
           </a:p>
@@ -4433,7 +4436,7 @@
           <a:p>
             <a:fld id="{D0EA8619-360D-4F4E-9D74-9A8FFFF3D2F5}" type="datetimeFigureOut">
               <a:rPr lang="pt-BR" smtClean="0"/>
-              <a:t>24/06/2024</a:t>
+              <a:t>25/06/2024</a:t>
             </a:fld>
             <a:endParaRPr lang="pt-BR"/>
           </a:p>
@@ -4839,7 +4842,7 @@
           <a:p>
             <a:fld id="{D0EA8619-360D-4F4E-9D74-9A8FFFF3D2F5}" type="datetimeFigureOut">
               <a:rPr lang="pt-BR" smtClean="0"/>
-              <a:t>24/06/2024</a:t>
+              <a:t>25/06/2024</a:t>
             </a:fld>
             <a:endParaRPr lang="pt-BR"/>
           </a:p>
@@ -5417,7 +5420,7 @@
         </p:nvSpPr>
         <p:spPr>
           <a:xfrm>
-            <a:off x="243842" y="-676658"/>
+            <a:off x="297630" y="201883"/>
             <a:ext cx="8001000" cy="2971801"/>
           </a:xfrm>
         </p:spPr>
@@ -5459,7 +5462,7 @@
         </p:nvSpPr>
         <p:spPr>
           <a:xfrm>
-            <a:off x="243842" y="2481410"/>
+            <a:off x="297630" y="3359951"/>
             <a:ext cx="6400800" cy="1947333"/>
           </a:xfrm>
           <a:prstGeom prst="rect">
@@ -5512,22 +5515,98 @@
           </a:p>
         </p:txBody>
       </p:sp>
-      <p:sp>
-        <p:nvSpPr>
-          <p:cNvPr id="20" name="CaixaDeTexto 3">
+    </p:spTree>
+    <p:extLst>
+      <p:ext uri="{BB962C8B-B14F-4D97-AF65-F5344CB8AC3E}">
+        <p14:creationId xmlns:p14="http://schemas.microsoft.com/office/powerpoint/2010/main" val="423511196"/>
+      </p:ext>
+    </p:extLst>
+  </p:cSld>
+  <p:clrMapOvr>
+    <a:masterClrMapping/>
+  </p:clrMapOvr>
+</p:sld>
+</file>
+
+<file path=ppt/slides/slide10.xml><?xml version="1.0" encoding="utf-8"?>
+<p:sld xmlns:a="http://schemas.openxmlformats.org/drawingml/2006/main" xmlns:r="http://schemas.openxmlformats.org/officeDocument/2006/relationships" xmlns:p="http://schemas.openxmlformats.org/presentationml/2006/main">
+  <p:cSld>
+    <p:spTree>
+      <p:nvGrpSpPr>
+        <p:cNvPr id="1" name=""/>
+        <p:cNvGrpSpPr/>
+        <p:nvPr/>
+      </p:nvGrpSpPr>
+      <p:grpSpPr>
+        <a:xfrm>
+          <a:off x="0" y="0"/>
+          <a:ext cx="0" cy="0"/>
+          <a:chOff x="0" y="0"/>
+          <a:chExt cx="0" cy="0"/>
+        </a:xfrm>
+      </p:grpSpPr>
+      <p:sp>
+        <p:nvSpPr>
+          <p:cNvPr id="3" name="Espaço Reservado para Conteúdo 2">
             <a:extLst>
               <a:ext uri="{FF2B5EF4-FFF2-40B4-BE49-F238E27FC236}">
-                <a16:creationId xmlns:a16="http://schemas.microsoft.com/office/drawing/2014/main" id="{3B8E61AB-70CE-47FE-9562-028AF4F1B6DA}"/>
+                <a16:creationId xmlns:a16="http://schemas.microsoft.com/office/drawing/2014/main" id="{1270952A-2AC5-41B0-A2C6-808F2CE391E7}"/>
               </a:ext>
             </a:extLst>
           </p:cNvPr>
-          <p:cNvSpPr txBox="1"/>
-          <p:nvPr/>
+          <p:cNvSpPr>
+            <a:spLocks noGrp="1"/>
+          </p:cNvSpPr>
+          <p:nvPr>
+            <p:ph idx="1"/>
+          </p:nvPr>
         </p:nvSpPr>
         <p:spPr>
           <a:xfrm>
-            <a:off x="96367" y="4681538"/>
-            <a:ext cx="4283707" cy="3286125"/>
+            <a:off x="0" y="685800"/>
+            <a:ext cx="12192000" cy="1008529"/>
+          </a:xfrm>
+        </p:spPr>
+        <p:txBody>
+          <a:bodyPr>
+            <a:normAutofit/>
+          </a:bodyPr>
+          <a:lstStyle/>
+          <a:p>
+            <a:pPr marL="0" indent="0" algn="ctr">
+              <a:buNone/>
+            </a:pPr>
+            <a:r>
+              <a:rPr lang="pt-BR" sz="5000" b="1" dirty="0">
+                <a:solidFill>
+                  <a:schemeClr val="tx1"/>
+                </a:solidFill>
+              </a:rPr>
+              <a:t>OBRIGADO POR ASSISTIR </a:t>
+            </a:r>
+          </a:p>
+        </p:txBody>
+      </p:sp>
+      <p:sp>
+        <p:nvSpPr>
+          <p:cNvPr id="4" name="Título 3">
+            <a:extLst>
+              <a:ext uri="{FF2B5EF4-FFF2-40B4-BE49-F238E27FC236}">
+                <a16:creationId xmlns:a16="http://schemas.microsoft.com/office/drawing/2014/main" id="{315CE1C9-5F1B-4BFF-8CF5-CA380065D424}"/>
+              </a:ext>
+            </a:extLst>
+          </p:cNvPr>
+          <p:cNvSpPr txBox="1">
+            <a:spLocks noGrp="1"/>
+          </p:cNvSpPr>
+          <p:nvPr>
+            <p:ph type="title"/>
+          </p:nvPr>
+        </p:nvSpPr>
+        <p:spPr>
+          <a:xfrm>
+            <a:off x="227013" y="5133322"/>
+            <a:ext cx="8534400" cy="1506537"/>
           </a:xfrm>
           <a:prstGeom prst="rect">
             <a:avLst/>
@@ -5535,7 +5614,7 @@
         </p:spPr>
         <p:txBody>
           <a:bodyPr vert="horz" lIns="91440" tIns="45720" rIns="91440" bIns="45720" rtlCol="0">
-            <a:normAutofit/>
+            <a:normAutofit fontScale="90000"/>
           </a:bodyPr>
           <a:lstStyle/>
           <a:p>
@@ -5694,10 +5773,205 @@
           </a:p>
         </p:txBody>
       </p:sp>
+      <p:pic>
+        <p:nvPicPr>
+          <p:cNvPr id="6" name="Gráfico 5" descr="Aperto de mãos">
+            <a:extLst>
+              <a:ext uri="{FF2B5EF4-FFF2-40B4-BE49-F238E27FC236}">
+                <a16:creationId xmlns:a16="http://schemas.microsoft.com/office/drawing/2014/main" id="{A199B7F8-44A9-4E45-80C6-3E49518D253D}"/>
+              </a:ext>
+            </a:extLst>
+          </p:cNvPr>
+          <p:cNvPicPr>
+            <a:picLocks noChangeAspect="1"/>
+          </p:cNvPicPr>
+          <p:nvPr/>
+        </p:nvPicPr>
+        <p:blipFill>
+          <a:blip r:embed="rId2">
+            <a:extLst>
+              <a:ext uri="{28A0092B-C50C-407E-A947-70E740481C1C}">
+                <a14:useLocalDpi xmlns:a14="http://schemas.microsoft.com/office/drawing/2010/main" val="0"/>
+              </a:ext>
+              <a:ext uri="{96DAC541-7B7A-43D3-8B79-37D633B846F1}">
+                <asvg:svgBlip xmlns:asvg="http://schemas.microsoft.com/office/drawing/2016/SVG/main" r:embed="rId3"/>
+              </a:ext>
+            </a:extLst>
+          </a:blip>
+          <a:stretch>
+            <a:fillRect/>
+          </a:stretch>
+        </p:blipFill>
+        <p:spPr>
+          <a:xfrm>
+            <a:off x="7183541" y="5080511"/>
+            <a:ext cx="914400" cy="914400"/>
+          </a:xfrm>
+          <a:prstGeom prst="rect">
+            <a:avLst/>
+          </a:prstGeom>
+        </p:spPr>
+      </p:pic>
+      <p:pic>
+        <p:nvPicPr>
+          <p:cNvPr id="10" name="Gráfico 9" descr="Professor">
+            <a:extLst>
+              <a:ext uri="{FF2B5EF4-FFF2-40B4-BE49-F238E27FC236}">
+                <a16:creationId xmlns:a16="http://schemas.microsoft.com/office/drawing/2014/main" id="{89D3D01B-6BD9-4130-8CF3-A00C80E9D375}"/>
+              </a:ext>
+            </a:extLst>
+          </p:cNvPr>
+          <p:cNvPicPr>
+            <a:picLocks noChangeAspect="1"/>
+          </p:cNvPicPr>
+          <p:nvPr/>
+        </p:nvPicPr>
+        <p:blipFill>
+          <a:blip r:embed="rId4">
+            <a:extLst>
+              <a:ext uri="{28A0092B-C50C-407E-A947-70E740481C1C}">
+                <a14:useLocalDpi xmlns:a14="http://schemas.microsoft.com/office/drawing/2010/main" val="0"/>
+              </a:ext>
+              <a:ext uri="{96DAC541-7B7A-43D3-8B79-37D633B846F1}">
+                <asvg:svgBlip xmlns:asvg="http://schemas.microsoft.com/office/drawing/2016/SVG/main" r:embed="rId5"/>
+              </a:ext>
+            </a:extLst>
+          </a:blip>
+          <a:stretch>
+            <a:fillRect/>
+          </a:stretch>
+        </p:blipFill>
+        <p:spPr>
+          <a:xfrm>
+            <a:off x="5707176" y="3521699"/>
+            <a:ext cx="2016012" cy="2016012"/>
+          </a:xfrm>
+          <a:prstGeom prst="rect">
+            <a:avLst/>
+          </a:prstGeom>
+        </p:spPr>
+      </p:pic>
+      <p:pic>
+        <p:nvPicPr>
+          <p:cNvPr id="12" name="Gráfico 11" descr="Usuários">
+            <a:extLst>
+              <a:ext uri="{FF2B5EF4-FFF2-40B4-BE49-F238E27FC236}">
+                <a16:creationId xmlns:a16="http://schemas.microsoft.com/office/drawing/2014/main" id="{5B0065FD-9B91-4012-BFDD-659720A09C0C}"/>
+              </a:ext>
+            </a:extLst>
+          </p:cNvPr>
+          <p:cNvPicPr>
+            <a:picLocks noChangeAspect="1"/>
+          </p:cNvPicPr>
+          <p:nvPr/>
+        </p:nvPicPr>
+        <p:blipFill>
+          <a:blip r:embed="rId6">
+            <a:extLst>
+              <a:ext uri="{28A0092B-C50C-407E-A947-70E740481C1C}">
+                <a14:useLocalDpi xmlns:a14="http://schemas.microsoft.com/office/drawing/2010/main" val="0"/>
+              </a:ext>
+              <a:ext uri="{96DAC541-7B7A-43D3-8B79-37D633B846F1}">
+                <asvg:svgBlip xmlns:asvg="http://schemas.microsoft.com/office/drawing/2016/SVG/main" r:embed="rId7"/>
+              </a:ext>
+            </a:extLst>
+          </a:blip>
+          <a:stretch>
+            <a:fillRect/>
+          </a:stretch>
+        </p:blipFill>
+        <p:spPr>
+          <a:xfrm>
+            <a:off x="8001094" y="5233194"/>
+            <a:ext cx="1878012" cy="1878012"/>
+          </a:xfrm>
+          <a:prstGeom prst="rect">
+            <a:avLst/>
+          </a:prstGeom>
+        </p:spPr>
+      </p:pic>
+      <p:pic>
+        <p:nvPicPr>
+          <p:cNvPr id="13" name="Gráfico 12" descr="Usuários">
+            <a:extLst>
+              <a:ext uri="{FF2B5EF4-FFF2-40B4-BE49-F238E27FC236}">
+                <a16:creationId xmlns:a16="http://schemas.microsoft.com/office/drawing/2014/main" id="{054B06F1-9F5F-4807-BFEC-8EFF2865918C}"/>
+              </a:ext>
+            </a:extLst>
+          </p:cNvPr>
+          <p:cNvPicPr>
+            <a:picLocks noChangeAspect="1"/>
+          </p:cNvPicPr>
+          <p:nvPr/>
+        </p:nvPicPr>
+        <p:blipFill>
+          <a:blip r:embed="rId6">
+            <a:extLst>
+              <a:ext uri="{28A0092B-C50C-407E-A947-70E740481C1C}">
+                <a14:useLocalDpi xmlns:a14="http://schemas.microsoft.com/office/drawing/2010/main" val="0"/>
+              </a:ext>
+              <a:ext uri="{96DAC541-7B7A-43D3-8B79-37D633B846F1}">
+                <asvg:svgBlip xmlns:asvg="http://schemas.microsoft.com/office/drawing/2016/SVG/main" r:embed="rId7"/>
+              </a:ext>
+            </a:extLst>
+          </a:blip>
+          <a:stretch>
+            <a:fillRect/>
+          </a:stretch>
+        </p:blipFill>
+        <p:spPr>
+          <a:xfrm>
+            <a:off x="9650443" y="5346573"/>
+            <a:ext cx="1878012" cy="1878012"/>
+          </a:xfrm>
+          <a:prstGeom prst="rect">
+            <a:avLst/>
+          </a:prstGeom>
+        </p:spPr>
+      </p:pic>
+      <p:pic>
+        <p:nvPicPr>
+          <p:cNvPr id="14" name="Gráfico 13" descr="Usuários">
+            <a:extLst>
+              <a:ext uri="{FF2B5EF4-FFF2-40B4-BE49-F238E27FC236}">
+                <a16:creationId xmlns:a16="http://schemas.microsoft.com/office/drawing/2014/main" id="{6772E1BE-9560-4A4A-A2A2-D48257771A0A}"/>
+              </a:ext>
+            </a:extLst>
+          </p:cNvPr>
+          <p:cNvPicPr>
+            <a:picLocks noChangeAspect="1"/>
+          </p:cNvPicPr>
+          <p:nvPr/>
+        </p:nvPicPr>
+        <p:blipFill>
+          <a:blip r:embed="rId6">
+            <a:extLst>
+              <a:ext uri="{28A0092B-C50C-407E-A947-70E740481C1C}">
+                <a14:useLocalDpi xmlns:a14="http://schemas.microsoft.com/office/drawing/2010/main" val="0"/>
+              </a:ext>
+              <a:ext uri="{96DAC541-7B7A-43D3-8B79-37D633B846F1}">
+                <asvg:svgBlip xmlns:asvg="http://schemas.microsoft.com/office/drawing/2016/SVG/main" r:embed="rId7"/>
+              </a:ext>
+            </a:extLst>
+          </a:blip>
+          <a:stretch>
+            <a:fillRect/>
+          </a:stretch>
+        </p:blipFill>
+        <p:spPr>
+          <a:xfrm>
+            <a:off x="6404023" y="5434362"/>
+            <a:ext cx="1878012" cy="1878012"/>
+          </a:xfrm>
+          <a:prstGeom prst="rect">
+            <a:avLst/>
+          </a:prstGeom>
+        </p:spPr>
+      </p:pic>
     </p:spTree>
     <p:extLst>
       <p:ext uri="{BB962C8B-B14F-4D97-AF65-F5344CB8AC3E}">
-        <p14:creationId xmlns:p14="http://schemas.microsoft.com/office/powerpoint/2010/main" val="423511196"/>
+        <p14:creationId xmlns:p14="http://schemas.microsoft.com/office/powerpoint/2010/main" val="894691455"/>
       </p:ext>
     </p:extLst>
   </p:cSld>
@@ -5726,79 +6000,671 @@
       </p:grpSpPr>
       <p:sp>
         <p:nvSpPr>
-          <p:cNvPr id="2" name="Título 1">
+          <p:cNvPr id="4" name="Título 1">
             <a:extLst>
               <a:ext uri="{FF2B5EF4-FFF2-40B4-BE49-F238E27FC236}">
-                <a16:creationId xmlns:a16="http://schemas.microsoft.com/office/drawing/2014/main" id="{50FCE149-5646-4548-8022-5473179137EC}"/>
+                <a16:creationId xmlns:a16="http://schemas.microsoft.com/office/drawing/2014/main" id="{E7A59323-4F9A-402F-A5A6-DB70F50D7A26}"/>
               </a:ext>
             </a:extLst>
           </p:cNvPr>
-          <p:cNvSpPr>
-            <a:spLocks noGrp="1"/>
-          </p:cNvSpPr>
-          <p:nvPr>
-            <p:ph type="title"/>
-          </p:nvPr>
+          <p:cNvSpPr txBox="1">
+            <a:spLocks/>
+          </p:cNvSpPr>
+          <p:nvPr/>
         </p:nvSpPr>
         <p:spPr>
           <a:xfrm>
-            <a:off x="0" y="365125"/>
-            <a:ext cx="12192000" cy="1325563"/>
+            <a:off x="838200" y="28425"/>
+            <a:ext cx="10515600" cy="1325563"/>
           </a:xfrm>
+          <a:prstGeom prst="rect">
+            <a:avLst/>
+          </a:prstGeom>
         </p:spPr>
         <p:txBody>
-          <a:bodyPr/>
-          <a:lstStyle/>
-          <a:p>
-            <a:pPr algn="ctr"/>
-            <a:r>
-              <a:rPr lang="pt-BR" b="1" dirty="0"/>
-              <a:t>Objetivo</a:t>
-            </a:r>
-          </a:p>
-        </p:txBody>
-      </p:sp>
-      <p:sp>
-        <p:nvSpPr>
-          <p:cNvPr id="3" name="Espaço Reservado para Conteúdo 2">
+          <a:bodyPr vert="horz" lIns="91440" tIns="45720" rIns="91440" bIns="45720" rtlCol="0" anchor="ctr">
+            <a:normAutofit/>
+          </a:bodyPr>
+          <a:lstStyle>
+            <a:lvl1pPr algn="l" defTabSz="914400" rtl="0" eaLnBrk="1" latinLnBrk="0" hangingPunct="1">
+              <a:lnSpc>
+                <a:spcPct val="90000"/>
+              </a:lnSpc>
+              <a:spcBef>
+                <a:spcPct val="0"/>
+              </a:spcBef>
+              <a:buNone/>
+              <a:defRPr sz="4400" kern="1200">
+                <a:solidFill>
+                  <a:schemeClr val="tx1"/>
+                </a:solidFill>
+                <a:latin typeface="+mj-lt"/>
+                <a:ea typeface="+mj-ea"/>
+                <a:cs typeface="+mj-cs"/>
+              </a:defRPr>
+            </a:lvl1pPr>
+          </a:lstStyle>
+          <a:p>
+            <a:r>
+              <a:rPr lang="pt-BR" dirty="0"/>
+              <a:t>Como funciona atualmente</a:t>
+            </a:r>
+          </a:p>
+        </p:txBody>
+      </p:sp>
+      <p:sp>
+        <p:nvSpPr>
+          <p:cNvPr id="5" name="Espaço Reservado para Conteúdo 2">
             <a:extLst>
               <a:ext uri="{FF2B5EF4-FFF2-40B4-BE49-F238E27FC236}">
-                <a16:creationId xmlns:a16="http://schemas.microsoft.com/office/drawing/2014/main" id="{368300FA-6FFF-47AF-B9F2-EB061C4E6304}"/>
+                <a16:creationId xmlns:a16="http://schemas.microsoft.com/office/drawing/2014/main" id="{B430AF47-7B0E-41E2-8DC6-8E9AD86983B2}"/>
               </a:ext>
             </a:extLst>
           </p:cNvPr>
-          <p:cNvSpPr>
-            <a:spLocks noGrp="1"/>
-          </p:cNvSpPr>
-          <p:nvPr>
-            <p:ph idx="1"/>
-          </p:nvPr>
+          <p:cNvSpPr txBox="1">
+            <a:spLocks/>
+          </p:cNvSpPr>
+          <p:nvPr/>
         </p:nvSpPr>
         <p:spPr>
           <a:xfrm>
-            <a:off x="838200" y="2802778"/>
+            <a:off x="264458" y="1719042"/>
+            <a:ext cx="10515600" cy="5110533"/>
+          </a:xfrm>
+          <a:prstGeom prst="rect">
+            <a:avLst/>
+          </a:prstGeom>
+        </p:spPr>
+        <p:txBody>
+          <a:bodyPr vert="horz" lIns="91440" tIns="45720" rIns="91440" bIns="45720" rtlCol="0">
+            <a:normAutofit/>
+          </a:bodyPr>
+          <a:lstStyle>
+            <a:lvl1pPr marL="228600" indent="-228600" algn="l" defTabSz="914400" rtl="0" eaLnBrk="1" latinLnBrk="0" hangingPunct="1">
+              <a:lnSpc>
+                <a:spcPct val="90000"/>
+              </a:lnSpc>
+              <a:spcBef>
+                <a:spcPts val="1000"/>
+              </a:spcBef>
+              <a:buFont typeface="Arial" panose="020B0604020202020204" pitchFamily="34" charset="0"/>
+              <a:buChar char="•"/>
+              <a:defRPr sz="2800" kern="1200">
+                <a:solidFill>
+                  <a:schemeClr val="tx1"/>
+                </a:solidFill>
+                <a:latin typeface="+mn-lt"/>
+                <a:ea typeface="+mn-ea"/>
+                <a:cs typeface="+mn-cs"/>
+              </a:defRPr>
+            </a:lvl1pPr>
+            <a:lvl2pPr marL="685800" indent="-228600" algn="l" defTabSz="914400" rtl="0" eaLnBrk="1" latinLnBrk="0" hangingPunct="1">
+              <a:lnSpc>
+                <a:spcPct val="90000"/>
+              </a:lnSpc>
+              <a:spcBef>
+                <a:spcPts val="500"/>
+              </a:spcBef>
+              <a:buFont typeface="Arial" panose="020B0604020202020204" pitchFamily="34" charset="0"/>
+              <a:buChar char="•"/>
+              <a:defRPr sz="2400" kern="1200">
+                <a:solidFill>
+                  <a:schemeClr val="tx1"/>
+                </a:solidFill>
+                <a:latin typeface="+mn-lt"/>
+                <a:ea typeface="+mn-ea"/>
+                <a:cs typeface="+mn-cs"/>
+              </a:defRPr>
+            </a:lvl2pPr>
+            <a:lvl3pPr marL="1143000" indent="-228600" algn="l" defTabSz="914400" rtl="0" eaLnBrk="1" latinLnBrk="0" hangingPunct="1">
+              <a:lnSpc>
+                <a:spcPct val="90000"/>
+              </a:lnSpc>
+              <a:spcBef>
+                <a:spcPts val="500"/>
+              </a:spcBef>
+              <a:buFont typeface="Arial" panose="020B0604020202020204" pitchFamily="34" charset="0"/>
+              <a:buChar char="•"/>
+              <a:defRPr sz="2000" kern="1200">
+                <a:solidFill>
+                  <a:schemeClr val="tx1"/>
+                </a:solidFill>
+                <a:latin typeface="+mn-lt"/>
+                <a:ea typeface="+mn-ea"/>
+                <a:cs typeface="+mn-cs"/>
+              </a:defRPr>
+            </a:lvl3pPr>
+            <a:lvl4pPr marL="1600200" indent="-228600" algn="l" defTabSz="914400" rtl="0" eaLnBrk="1" latinLnBrk="0" hangingPunct="1">
+              <a:lnSpc>
+                <a:spcPct val="90000"/>
+              </a:lnSpc>
+              <a:spcBef>
+                <a:spcPts val="500"/>
+              </a:spcBef>
+              <a:buFont typeface="Arial" panose="020B0604020202020204" pitchFamily="34" charset="0"/>
+              <a:buChar char="•"/>
+              <a:defRPr sz="1800" kern="1200">
+                <a:solidFill>
+                  <a:schemeClr val="tx1"/>
+                </a:solidFill>
+                <a:latin typeface="+mn-lt"/>
+                <a:ea typeface="+mn-ea"/>
+                <a:cs typeface="+mn-cs"/>
+              </a:defRPr>
+            </a:lvl4pPr>
+            <a:lvl5pPr marL="2057400" indent="-228600" algn="l" defTabSz="914400" rtl="0" eaLnBrk="1" latinLnBrk="0" hangingPunct="1">
+              <a:lnSpc>
+                <a:spcPct val="90000"/>
+              </a:lnSpc>
+              <a:spcBef>
+                <a:spcPts val="500"/>
+              </a:spcBef>
+              <a:buFont typeface="Arial" panose="020B0604020202020204" pitchFamily="34" charset="0"/>
+              <a:buChar char="•"/>
+              <a:defRPr sz="1800" kern="1200">
+                <a:solidFill>
+                  <a:schemeClr val="tx1"/>
+                </a:solidFill>
+                <a:latin typeface="+mn-lt"/>
+                <a:ea typeface="+mn-ea"/>
+                <a:cs typeface="+mn-cs"/>
+              </a:defRPr>
+            </a:lvl5pPr>
+            <a:lvl6pPr marL="2514600" indent="-228600" algn="l" defTabSz="914400" rtl="0" eaLnBrk="1" latinLnBrk="0" hangingPunct="1">
+              <a:lnSpc>
+                <a:spcPct val="90000"/>
+              </a:lnSpc>
+              <a:spcBef>
+                <a:spcPts val="500"/>
+              </a:spcBef>
+              <a:buFont typeface="Arial" panose="020B0604020202020204" pitchFamily="34" charset="0"/>
+              <a:buChar char="•"/>
+              <a:defRPr sz="1800" kern="1200">
+                <a:solidFill>
+                  <a:schemeClr val="tx1"/>
+                </a:solidFill>
+                <a:latin typeface="+mn-lt"/>
+                <a:ea typeface="+mn-ea"/>
+                <a:cs typeface="+mn-cs"/>
+              </a:defRPr>
+            </a:lvl6pPr>
+            <a:lvl7pPr marL="2971800" indent="-228600" algn="l" defTabSz="914400" rtl="0" eaLnBrk="1" latinLnBrk="0" hangingPunct="1">
+              <a:lnSpc>
+                <a:spcPct val="90000"/>
+              </a:lnSpc>
+              <a:spcBef>
+                <a:spcPts val="500"/>
+              </a:spcBef>
+              <a:buFont typeface="Arial" panose="020B0604020202020204" pitchFamily="34" charset="0"/>
+              <a:buChar char="•"/>
+              <a:defRPr sz="1800" kern="1200">
+                <a:solidFill>
+                  <a:schemeClr val="tx1"/>
+                </a:solidFill>
+                <a:latin typeface="+mn-lt"/>
+                <a:ea typeface="+mn-ea"/>
+                <a:cs typeface="+mn-cs"/>
+              </a:defRPr>
+            </a:lvl7pPr>
+            <a:lvl8pPr marL="3429000" indent="-228600" algn="l" defTabSz="914400" rtl="0" eaLnBrk="1" latinLnBrk="0" hangingPunct="1">
+              <a:lnSpc>
+                <a:spcPct val="90000"/>
+              </a:lnSpc>
+              <a:spcBef>
+                <a:spcPts val="500"/>
+              </a:spcBef>
+              <a:buFont typeface="Arial" panose="020B0604020202020204" pitchFamily="34" charset="0"/>
+              <a:buChar char="•"/>
+              <a:defRPr sz="1800" kern="1200">
+                <a:solidFill>
+                  <a:schemeClr val="tx1"/>
+                </a:solidFill>
+                <a:latin typeface="+mn-lt"/>
+                <a:ea typeface="+mn-ea"/>
+                <a:cs typeface="+mn-cs"/>
+              </a:defRPr>
+            </a:lvl8pPr>
+            <a:lvl9pPr marL="3886200" indent="-228600" algn="l" defTabSz="914400" rtl="0" eaLnBrk="1" latinLnBrk="0" hangingPunct="1">
+              <a:lnSpc>
+                <a:spcPct val="90000"/>
+              </a:lnSpc>
+              <a:spcBef>
+                <a:spcPts val="500"/>
+              </a:spcBef>
+              <a:buFont typeface="Arial" panose="020B0604020202020204" pitchFamily="34" charset="0"/>
+              <a:buChar char="•"/>
+              <a:defRPr sz="1800" kern="1200">
+                <a:solidFill>
+                  <a:schemeClr val="tx1"/>
+                </a:solidFill>
+                <a:latin typeface="+mn-lt"/>
+                <a:ea typeface="+mn-ea"/>
+                <a:cs typeface="+mn-cs"/>
+              </a:defRPr>
+            </a:lvl9pPr>
+          </a:lstStyle>
+          <a:p>
+            <a:r>
+              <a:rPr lang="pt-BR" b="1" dirty="0"/>
+              <a:t>Baixar documento Word (termo de compromisso e plano de atividades) no site oficial da Fatec de Itapira para o curso de Desenvolvimento de Software Multiplataforma</a:t>
+            </a:r>
+          </a:p>
+          <a:p>
+            <a:r>
+              <a:rPr lang="pt-BR" b="1" dirty="0"/>
+              <a:t>Aluno preenche todos os vazios do documento com seus dados e entrega para o professor orientador avaliar se está preenchido corretamente</a:t>
+            </a:r>
+          </a:p>
+          <a:p>
+            <a:r>
+              <a:rPr lang="pt-BR" b="1" dirty="0"/>
+              <a:t>Se aprovado o aluno imprime 3 cópias deste documento e coleta assinatura também dos 3 documentos do seu supervisor de estágio, a própria assinatura e entrega para o professor para a assinatura do diretor.</a:t>
+            </a:r>
+          </a:p>
+          <a:p>
+            <a:endParaRPr lang="pt-BR" dirty="0"/>
+          </a:p>
+          <a:p>
+            <a:endParaRPr lang="pt-BR" dirty="0"/>
+          </a:p>
+        </p:txBody>
+      </p:sp>
+      <p:sp>
+        <p:nvSpPr>
+          <p:cNvPr id="6" name="Espaço Reservado para Conteúdo 2">
+            <a:extLst>
+              <a:ext uri="{FF2B5EF4-FFF2-40B4-BE49-F238E27FC236}">
+                <a16:creationId xmlns:a16="http://schemas.microsoft.com/office/drawing/2014/main" id="{676FFFC5-C9BF-4520-B776-5FDE6E46F893}"/>
+              </a:ext>
+            </a:extLst>
+          </p:cNvPr>
+          <p:cNvSpPr txBox="1">
+            <a:spLocks/>
+          </p:cNvSpPr>
+          <p:nvPr/>
+        </p:nvSpPr>
+        <p:spPr>
+          <a:xfrm>
+            <a:off x="838200" y="4628524"/>
+            <a:ext cx="10591800" cy="1325563"/>
+          </a:xfrm>
+          <a:prstGeom prst="rect">
+            <a:avLst/>
+          </a:prstGeom>
+        </p:spPr>
+        <p:txBody>
+          <a:bodyPr vert="horz" lIns="91440" tIns="45720" rIns="91440" bIns="45720" rtlCol="0">
+            <a:normAutofit/>
+          </a:bodyPr>
+          <a:lstStyle>
+            <a:lvl1pPr marL="228600" indent="-228600" algn="l" defTabSz="914400" rtl="0" eaLnBrk="1" latinLnBrk="0" hangingPunct="1">
+              <a:lnSpc>
+                <a:spcPct val="90000"/>
+              </a:lnSpc>
+              <a:spcBef>
+                <a:spcPts val="1000"/>
+              </a:spcBef>
+              <a:buFont typeface="Arial" panose="020B0604020202020204" pitchFamily="34" charset="0"/>
+              <a:buChar char="•"/>
+              <a:defRPr sz="2800" kern="1200">
+                <a:solidFill>
+                  <a:schemeClr val="tx1"/>
+                </a:solidFill>
+                <a:latin typeface="+mn-lt"/>
+                <a:ea typeface="+mn-ea"/>
+                <a:cs typeface="+mn-cs"/>
+              </a:defRPr>
+            </a:lvl1pPr>
+            <a:lvl2pPr marL="685800" indent="-228600" algn="l" defTabSz="914400" rtl="0" eaLnBrk="1" latinLnBrk="0" hangingPunct="1">
+              <a:lnSpc>
+                <a:spcPct val="90000"/>
+              </a:lnSpc>
+              <a:spcBef>
+                <a:spcPts val="500"/>
+              </a:spcBef>
+              <a:buFont typeface="Arial" panose="020B0604020202020204" pitchFamily="34" charset="0"/>
+              <a:buChar char="•"/>
+              <a:defRPr sz="2400" kern="1200">
+                <a:solidFill>
+                  <a:schemeClr val="tx1"/>
+                </a:solidFill>
+                <a:latin typeface="+mn-lt"/>
+                <a:ea typeface="+mn-ea"/>
+                <a:cs typeface="+mn-cs"/>
+              </a:defRPr>
+            </a:lvl2pPr>
+            <a:lvl3pPr marL="1143000" indent="-228600" algn="l" defTabSz="914400" rtl="0" eaLnBrk="1" latinLnBrk="0" hangingPunct="1">
+              <a:lnSpc>
+                <a:spcPct val="90000"/>
+              </a:lnSpc>
+              <a:spcBef>
+                <a:spcPts val="500"/>
+              </a:spcBef>
+              <a:buFont typeface="Arial" panose="020B0604020202020204" pitchFamily="34" charset="0"/>
+              <a:buChar char="•"/>
+              <a:defRPr sz="2000" kern="1200">
+                <a:solidFill>
+                  <a:schemeClr val="tx1"/>
+                </a:solidFill>
+                <a:latin typeface="+mn-lt"/>
+                <a:ea typeface="+mn-ea"/>
+                <a:cs typeface="+mn-cs"/>
+              </a:defRPr>
+            </a:lvl3pPr>
+            <a:lvl4pPr marL="1600200" indent="-228600" algn="l" defTabSz="914400" rtl="0" eaLnBrk="1" latinLnBrk="0" hangingPunct="1">
+              <a:lnSpc>
+                <a:spcPct val="90000"/>
+              </a:lnSpc>
+              <a:spcBef>
+                <a:spcPts val="500"/>
+              </a:spcBef>
+              <a:buFont typeface="Arial" panose="020B0604020202020204" pitchFamily="34" charset="0"/>
+              <a:buChar char="•"/>
+              <a:defRPr sz="1800" kern="1200">
+                <a:solidFill>
+                  <a:schemeClr val="tx1"/>
+                </a:solidFill>
+                <a:latin typeface="+mn-lt"/>
+                <a:ea typeface="+mn-ea"/>
+                <a:cs typeface="+mn-cs"/>
+              </a:defRPr>
+            </a:lvl4pPr>
+            <a:lvl5pPr marL="2057400" indent="-228600" algn="l" defTabSz="914400" rtl="0" eaLnBrk="1" latinLnBrk="0" hangingPunct="1">
+              <a:lnSpc>
+                <a:spcPct val="90000"/>
+              </a:lnSpc>
+              <a:spcBef>
+                <a:spcPts val="500"/>
+              </a:spcBef>
+              <a:buFont typeface="Arial" panose="020B0604020202020204" pitchFamily="34" charset="0"/>
+              <a:buChar char="•"/>
+              <a:defRPr sz="1800" kern="1200">
+                <a:solidFill>
+                  <a:schemeClr val="tx1"/>
+                </a:solidFill>
+                <a:latin typeface="+mn-lt"/>
+                <a:ea typeface="+mn-ea"/>
+                <a:cs typeface="+mn-cs"/>
+              </a:defRPr>
+            </a:lvl5pPr>
+            <a:lvl6pPr marL="2514600" indent="-228600" algn="l" defTabSz="914400" rtl="0" eaLnBrk="1" latinLnBrk="0" hangingPunct="1">
+              <a:lnSpc>
+                <a:spcPct val="90000"/>
+              </a:lnSpc>
+              <a:spcBef>
+                <a:spcPts val="500"/>
+              </a:spcBef>
+              <a:buFont typeface="Arial" panose="020B0604020202020204" pitchFamily="34" charset="0"/>
+              <a:buChar char="•"/>
+              <a:defRPr sz="1800" kern="1200">
+                <a:solidFill>
+                  <a:schemeClr val="tx1"/>
+                </a:solidFill>
+                <a:latin typeface="+mn-lt"/>
+                <a:ea typeface="+mn-ea"/>
+                <a:cs typeface="+mn-cs"/>
+              </a:defRPr>
+            </a:lvl6pPr>
+            <a:lvl7pPr marL="2971800" indent="-228600" algn="l" defTabSz="914400" rtl="0" eaLnBrk="1" latinLnBrk="0" hangingPunct="1">
+              <a:lnSpc>
+                <a:spcPct val="90000"/>
+              </a:lnSpc>
+              <a:spcBef>
+                <a:spcPts val="500"/>
+              </a:spcBef>
+              <a:buFont typeface="Arial" panose="020B0604020202020204" pitchFamily="34" charset="0"/>
+              <a:buChar char="•"/>
+              <a:defRPr sz="1800" kern="1200">
+                <a:solidFill>
+                  <a:schemeClr val="tx1"/>
+                </a:solidFill>
+                <a:latin typeface="+mn-lt"/>
+                <a:ea typeface="+mn-ea"/>
+                <a:cs typeface="+mn-cs"/>
+              </a:defRPr>
+            </a:lvl7pPr>
+            <a:lvl8pPr marL="3429000" indent="-228600" algn="l" defTabSz="914400" rtl="0" eaLnBrk="1" latinLnBrk="0" hangingPunct="1">
+              <a:lnSpc>
+                <a:spcPct val="90000"/>
+              </a:lnSpc>
+              <a:spcBef>
+                <a:spcPts val="500"/>
+              </a:spcBef>
+              <a:buFont typeface="Arial" panose="020B0604020202020204" pitchFamily="34" charset="0"/>
+              <a:buChar char="•"/>
+              <a:defRPr sz="1800" kern="1200">
+                <a:solidFill>
+                  <a:schemeClr val="tx1"/>
+                </a:solidFill>
+                <a:latin typeface="+mn-lt"/>
+                <a:ea typeface="+mn-ea"/>
+                <a:cs typeface="+mn-cs"/>
+              </a:defRPr>
+            </a:lvl8pPr>
+            <a:lvl9pPr marL="3886200" indent="-228600" algn="l" defTabSz="914400" rtl="0" eaLnBrk="1" latinLnBrk="0" hangingPunct="1">
+              <a:lnSpc>
+                <a:spcPct val="90000"/>
+              </a:lnSpc>
+              <a:spcBef>
+                <a:spcPts val="500"/>
+              </a:spcBef>
+              <a:buFont typeface="Arial" panose="020B0604020202020204" pitchFamily="34" charset="0"/>
+              <a:buChar char="•"/>
+              <a:defRPr sz="1800" kern="1200">
+                <a:solidFill>
+                  <a:schemeClr val="tx1"/>
+                </a:solidFill>
+                <a:latin typeface="+mn-lt"/>
+                <a:ea typeface="+mn-ea"/>
+                <a:cs typeface="+mn-cs"/>
+              </a:defRPr>
+            </a:lvl9pPr>
+          </a:lstStyle>
+          <a:p>
+            <a:endParaRPr lang="pt-BR" dirty="0"/>
+          </a:p>
+        </p:txBody>
+      </p:sp>
+      <p:sp>
+        <p:nvSpPr>
+          <p:cNvPr id="7" name="Espaço Reservado para Conteúdo 2">
+            <a:extLst>
+              <a:ext uri="{FF2B5EF4-FFF2-40B4-BE49-F238E27FC236}">
+                <a16:creationId xmlns:a16="http://schemas.microsoft.com/office/drawing/2014/main" id="{635909BE-EFF0-4CC2-9943-067341050F8B}"/>
+              </a:ext>
+            </a:extLst>
+          </p:cNvPr>
+          <p:cNvSpPr txBox="1">
+            <a:spLocks/>
+          </p:cNvSpPr>
+          <p:nvPr/>
+        </p:nvSpPr>
+        <p:spPr>
+          <a:xfrm>
+            <a:off x="838200" y="5836830"/>
             <a:ext cx="10515600" cy="970738"/>
           </a:xfrm>
+          <a:prstGeom prst="rect">
+            <a:avLst/>
+          </a:prstGeom>
         </p:spPr>
         <p:txBody>
-          <a:bodyPr/>
-          <a:lstStyle/>
-          <a:p>
-            <a:r>
-              <a:rPr lang="pt-BR" dirty="0">
+          <a:bodyPr vert="horz" lIns="91440" tIns="45720" rIns="91440" bIns="45720" rtlCol="0">
+            <a:normAutofit/>
+          </a:bodyPr>
+          <a:lstStyle>
+            <a:lvl1pPr marL="228600" indent="-228600" algn="l" defTabSz="914400" rtl="0" eaLnBrk="1" latinLnBrk="0" hangingPunct="1">
+              <a:lnSpc>
+                <a:spcPct val="90000"/>
+              </a:lnSpc>
+              <a:spcBef>
+                <a:spcPts val="1000"/>
+              </a:spcBef>
+              <a:buFont typeface="Arial" panose="020B0604020202020204" pitchFamily="34" charset="0"/>
+              <a:buChar char="•"/>
+              <a:defRPr sz="2800" kern="1200">
                 <a:solidFill>
                   <a:schemeClr val="tx1"/>
                 </a:solidFill>
-              </a:rPr>
-              <a:t>Fazer sistema de gerenciamento de estágio para os alunos da Fatec de Itapira para o curso de Desenvolvimento de Software Multiplataforma</a:t>
-            </a:r>
+                <a:latin typeface="+mn-lt"/>
+                <a:ea typeface="+mn-ea"/>
+                <a:cs typeface="+mn-cs"/>
+              </a:defRPr>
+            </a:lvl1pPr>
+            <a:lvl2pPr marL="685800" indent="-228600" algn="l" defTabSz="914400" rtl="0" eaLnBrk="1" latinLnBrk="0" hangingPunct="1">
+              <a:lnSpc>
+                <a:spcPct val="90000"/>
+              </a:lnSpc>
+              <a:spcBef>
+                <a:spcPts val="500"/>
+              </a:spcBef>
+              <a:buFont typeface="Arial" panose="020B0604020202020204" pitchFamily="34" charset="0"/>
+              <a:buChar char="•"/>
+              <a:defRPr sz="2400" kern="1200">
+                <a:solidFill>
+                  <a:schemeClr val="tx1"/>
+                </a:solidFill>
+                <a:latin typeface="+mn-lt"/>
+                <a:ea typeface="+mn-ea"/>
+                <a:cs typeface="+mn-cs"/>
+              </a:defRPr>
+            </a:lvl2pPr>
+            <a:lvl3pPr marL="1143000" indent="-228600" algn="l" defTabSz="914400" rtl="0" eaLnBrk="1" latinLnBrk="0" hangingPunct="1">
+              <a:lnSpc>
+                <a:spcPct val="90000"/>
+              </a:lnSpc>
+              <a:spcBef>
+                <a:spcPts val="500"/>
+              </a:spcBef>
+              <a:buFont typeface="Arial" panose="020B0604020202020204" pitchFamily="34" charset="0"/>
+              <a:buChar char="•"/>
+              <a:defRPr sz="2000" kern="1200">
+                <a:solidFill>
+                  <a:schemeClr val="tx1"/>
+                </a:solidFill>
+                <a:latin typeface="+mn-lt"/>
+                <a:ea typeface="+mn-ea"/>
+                <a:cs typeface="+mn-cs"/>
+              </a:defRPr>
+            </a:lvl3pPr>
+            <a:lvl4pPr marL="1600200" indent="-228600" algn="l" defTabSz="914400" rtl="0" eaLnBrk="1" latinLnBrk="0" hangingPunct="1">
+              <a:lnSpc>
+                <a:spcPct val="90000"/>
+              </a:lnSpc>
+              <a:spcBef>
+                <a:spcPts val="500"/>
+              </a:spcBef>
+              <a:buFont typeface="Arial" panose="020B0604020202020204" pitchFamily="34" charset="0"/>
+              <a:buChar char="•"/>
+              <a:defRPr sz="1800" kern="1200">
+                <a:solidFill>
+                  <a:schemeClr val="tx1"/>
+                </a:solidFill>
+                <a:latin typeface="+mn-lt"/>
+                <a:ea typeface="+mn-ea"/>
+                <a:cs typeface="+mn-cs"/>
+              </a:defRPr>
+            </a:lvl4pPr>
+            <a:lvl5pPr marL="2057400" indent="-228600" algn="l" defTabSz="914400" rtl="0" eaLnBrk="1" latinLnBrk="0" hangingPunct="1">
+              <a:lnSpc>
+                <a:spcPct val="90000"/>
+              </a:lnSpc>
+              <a:spcBef>
+                <a:spcPts val="500"/>
+              </a:spcBef>
+              <a:buFont typeface="Arial" panose="020B0604020202020204" pitchFamily="34" charset="0"/>
+              <a:buChar char="•"/>
+              <a:defRPr sz="1800" kern="1200">
+                <a:solidFill>
+                  <a:schemeClr val="tx1"/>
+                </a:solidFill>
+                <a:latin typeface="+mn-lt"/>
+                <a:ea typeface="+mn-ea"/>
+                <a:cs typeface="+mn-cs"/>
+              </a:defRPr>
+            </a:lvl5pPr>
+            <a:lvl6pPr marL="2514600" indent="-228600" algn="l" defTabSz="914400" rtl="0" eaLnBrk="1" latinLnBrk="0" hangingPunct="1">
+              <a:lnSpc>
+                <a:spcPct val="90000"/>
+              </a:lnSpc>
+              <a:spcBef>
+                <a:spcPts val="500"/>
+              </a:spcBef>
+              <a:buFont typeface="Arial" panose="020B0604020202020204" pitchFamily="34" charset="0"/>
+              <a:buChar char="•"/>
+              <a:defRPr sz="1800" kern="1200">
+                <a:solidFill>
+                  <a:schemeClr val="tx1"/>
+                </a:solidFill>
+                <a:latin typeface="+mn-lt"/>
+                <a:ea typeface="+mn-ea"/>
+                <a:cs typeface="+mn-cs"/>
+              </a:defRPr>
+            </a:lvl6pPr>
+            <a:lvl7pPr marL="2971800" indent="-228600" algn="l" defTabSz="914400" rtl="0" eaLnBrk="1" latinLnBrk="0" hangingPunct="1">
+              <a:lnSpc>
+                <a:spcPct val="90000"/>
+              </a:lnSpc>
+              <a:spcBef>
+                <a:spcPts val="500"/>
+              </a:spcBef>
+              <a:buFont typeface="Arial" panose="020B0604020202020204" pitchFamily="34" charset="0"/>
+              <a:buChar char="•"/>
+              <a:defRPr sz="1800" kern="1200">
+                <a:solidFill>
+                  <a:schemeClr val="tx1"/>
+                </a:solidFill>
+                <a:latin typeface="+mn-lt"/>
+                <a:ea typeface="+mn-ea"/>
+                <a:cs typeface="+mn-cs"/>
+              </a:defRPr>
+            </a:lvl7pPr>
+            <a:lvl8pPr marL="3429000" indent="-228600" algn="l" defTabSz="914400" rtl="0" eaLnBrk="1" latinLnBrk="0" hangingPunct="1">
+              <a:lnSpc>
+                <a:spcPct val="90000"/>
+              </a:lnSpc>
+              <a:spcBef>
+                <a:spcPts val="500"/>
+              </a:spcBef>
+              <a:buFont typeface="Arial" panose="020B0604020202020204" pitchFamily="34" charset="0"/>
+              <a:buChar char="•"/>
+              <a:defRPr sz="1800" kern="1200">
+                <a:solidFill>
+                  <a:schemeClr val="tx1"/>
+                </a:solidFill>
+                <a:latin typeface="+mn-lt"/>
+                <a:ea typeface="+mn-ea"/>
+                <a:cs typeface="+mn-cs"/>
+              </a:defRPr>
+            </a:lvl8pPr>
+            <a:lvl9pPr marL="3886200" indent="-228600" algn="l" defTabSz="914400" rtl="0" eaLnBrk="1" latinLnBrk="0" hangingPunct="1">
+              <a:lnSpc>
+                <a:spcPct val="90000"/>
+              </a:lnSpc>
+              <a:spcBef>
+                <a:spcPts val="500"/>
+              </a:spcBef>
+              <a:buFont typeface="Arial" panose="020B0604020202020204" pitchFamily="34" charset="0"/>
+              <a:buChar char="•"/>
+              <a:defRPr sz="1800" kern="1200">
+                <a:solidFill>
+                  <a:schemeClr val="tx1"/>
+                </a:solidFill>
+                <a:latin typeface="+mn-lt"/>
+                <a:ea typeface="+mn-ea"/>
+                <a:cs typeface="+mn-cs"/>
+              </a:defRPr>
+            </a:lvl9pPr>
+          </a:lstStyle>
+          <a:p>
+            <a:endParaRPr lang="pt-BR" dirty="0"/>
           </a:p>
         </p:txBody>
       </p:sp>
     </p:spTree>
     <p:extLst>
       <p:ext uri="{BB962C8B-B14F-4D97-AF65-F5344CB8AC3E}">
-        <p14:creationId xmlns:p14="http://schemas.microsoft.com/office/powerpoint/2010/main" val="2319964115"/>
+        <p14:creationId xmlns:p14="http://schemas.microsoft.com/office/powerpoint/2010/main" val="4081882569"/>
       </p:ext>
     </p:extLst>
   </p:cSld>
@@ -5827,671 +6693,93 @@
       </p:grpSpPr>
       <p:sp>
         <p:nvSpPr>
-          <p:cNvPr id="4" name="Título 1">
+          <p:cNvPr id="3" name="Espaço Reservado para Conteúdo 2">
             <a:extLst>
               <a:ext uri="{FF2B5EF4-FFF2-40B4-BE49-F238E27FC236}">
-                <a16:creationId xmlns:a16="http://schemas.microsoft.com/office/drawing/2014/main" id="{E7A59323-4F9A-402F-A5A6-DB70F50D7A26}"/>
+                <a16:creationId xmlns:a16="http://schemas.microsoft.com/office/drawing/2014/main" id="{D856F7A5-62D5-4551-936A-43FF8039252F}"/>
               </a:ext>
             </a:extLst>
           </p:cNvPr>
-          <p:cNvSpPr txBox="1">
-            <a:spLocks/>
-          </p:cNvSpPr>
-          <p:nvPr/>
+          <p:cNvSpPr>
+            <a:spLocks noGrp="1"/>
+          </p:cNvSpPr>
+          <p:nvPr>
+            <p:ph idx="1"/>
+          </p:nvPr>
         </p:nvSpPr>
         <p:spPr>
           <a:xfrm>
-            <a:off x="838200" y="28425"/>
-            <a:ext cx="10515600" cy="1325563"/>
+            <a:off x="287601" y="301440"/>
+            <a:ext cx="10515600" cy="6255119"/>
           </a:xfrm>
-          <a:prstGeom prst="rect">
-            <a:avLst/>
-          </a:prstGeom>
         </p:spPr>
         <p:txBody>
-          <a:bodyPr vert="horz" lIns="91440" tIns="45720" rIns="91440" bIns="45720" rtlCol="0" anchor="ctr">
+          <a:bodyPr>
             <a:normAutofit/>
           </a:bodyPr>
-          <a:lstStyle>
-            <a:lvl1pPr algn="l" defTabSz="914400" rtl="0" eaLnBrk="1" latinLnBrk="0" hangingPunct="1">
-              <a:lnSpc>
-                <a:spcPct val="90000"/>
-              </a:lnSpc>
-              <a:spcBef>
-                <a:spcPct val="0"/>
-              </a:spcBef>
-              <a:buNone/>
-              <a:defRPr sz="4400" kern="1200">
-                <a:solidFill>
-                  <a:schemeClr val="tx1"/>
-                </a:solidFill>
-                <a:latin typeface="+mj-lt"/>
-                <a:ea typeface="+mj-ea"/>
-                <a:cs typeface="+mj-cs"/>
-              </a:defRPr>
-            </a:lvl1pPr>
-          </a:lstStyle>
-          <a:p>
-            <a:r>
-              <a:rPr lang="pt-BR" dirty="0"/>
-              <a:t>Como funciona atualmente</a:t>
-            </a:r>
-          </a:p>
-        </p:txBody>
-      </p:sp>
-      <p:sp>
-        <p:nvSpPr>
-          <p:cNvPr id="5" name="Espaço Reservado para Conteúdo 2">
-            <a:extLst>
-              <a:ext uri="{FF2B5EF4-FFF2-40B4-BE49-F238E27FC236}">
-                <a16:creationId xmlns:a16="http://schemas.microsoft.com/office/drawing/2014/main" id="{B430AF47-7B0E-41E2-8DC6-8E9AD86983B2}"/>
-              </a:ext>
-            </a:extLst>
-          </p:cNvPr>
-          <p:cNvSpPr txBox="1">
-            <a:spLocks/>
-          </p:cNvSpPr>
-          <p:nvPr/>
-        </p:nvSpPr>
-        <p:spPr>
-          <a:xfrm>
-            <a:off x="264458" y="1719042"/>
-            <a:ext cx="10515600" cy="5110533"/>
-          </a:xfrm>
-          <a:prstGeom prst="rect">
-            <a:avLst/>
-          </a:prstGeom>
-        </p:spPr>
-        <p:txBody>
-          <a:bodyPr vert="horz" lIns="91440" tIns="45720" rIns="91440" bIns="45720" rtlCol="0">
-            <a:normAutofit/>
-          </a:bodyPr>
-          <a:lstStyle>
-            <a:lvl1pPr marL="228600" indent="-228600" algn="l" defTabSz="914400" rtl="0" eaLnBrk="1" latinLnBrk="0" hangingPunct="1">
-              <a:lnSpc>
-                <a:spcPct val="90000"/>
-              </a:lnSpc>
-              <a:spcBef>
-                <a:spcPts val="1000"/>
-              </a:spcBef>
+          <a:lstStyle/>
+          <a:p>
+            <a:pPr>
               <a:buFont typeface="Arial" panose="020B0604020202020204" pitchFamily="34" charset="0"/>
               <a:buChar char="•"/>
-              <a:defRPr sz="2800" kern="1200">
+            </a:pPr>
+            <a:r>
+              <a:rPr lang="pt-BR" sz="2800" b="1" dirty="0">
                 <a:solidFill>
                   <a:schemeClr val="tx1"/>
                 </a:solidFill>
-                <a:latin typeface="+mn-lt"/>
-                <a:ea typeface="+mn-ea"/>
-                <a:cs typeface="+mn-cs"/>
-              </a:defRPr>
-            </a:lvl1pPr>
-            <a:lvl2pPr marL="685800" indent="-228600" algn="l" defTabSz="914400" rtl="0" eaLnBrk="1" latinLnBrk="0" hangingPunct="1">
-              <a:lnSpc>
-                <a:spcPct val="90000"/>
-              </a:lnSpc>
-              <a:spcBef>
-                <a:spcPts val="500"/>
-              </a:spcBef>
+              </a:rPr>
+              <a:t>Após tudo assinado, fica uma cópia com o aluno, uma com a empresa e uma com a Fatec</a:t>
+            </a:r>
+          </a:p>
+          <a:p>
+            <a:pPr>
               <a:buFont typeface="Arial" panose="020B0604020202020204" pitchFamily="34" charset="0"/>
               <a:buChar char="•"/>
-              <a:defRPr sz="2400" kern="1200">
+            </a:pPr>
+            <a:r>
+              <a:rPr lang="pt-BR" sz="2800" b="1" dirty="0">
                 <a:solidFill>
                   <a:schemeClr val="tx1"/>
                 </a:solidFill>
-                <a:latin typeface="+mn-lt"/>
-                <a:ea typeface="+mn-ea"/>
-                <a:cs typeface="+mn-cs"/>
-              </a:defRPr>
-            </a:lvl2pPr>
-            <a:lvl3pPr marL="1143000" indent="-228600" algn="l" defTabSz="914400" rtl="0" eaLnBrk="1" latinLnBrk="0" hangingPunct="1">
-              <a:lnSpc>
-                <a:spcPct val="90000"/>
-              </a:lnSpc>
-              <a:spcBef>
-                <a:spcPts val="500"/>
-              </a:spcBef>
+              </a:rPr>
+              <a:t>Após aprovado o primeiro documento de termo de compromisso, ao final de cada semestre, o aluno deverá baixar um documento de relatório parcial no site da Fatec ,preencher e enviar para o professor orientador avaliar</a:t>
+            </a:r>
+          </a:p>
+          <a:p>
+            <a:pPr>
               <a:buFont typeface="Arial" panose="020B0604020202020204" pitchFamily="34" charset="0"/>
               <a:buChar char="•"/>
-              <a:defRPr sz="2000" kern="1200">
+            </a:pPr>
+            <a:r>
+              <a:rPr lang="pt-BR" sz="2800" b="1" dirty="0">
                 <a:solidFill>
                   <a:schemeClr val="tx1"/>
                 </a:solidFill>
-                <a:latin typeface="+mn-lt"/>
-                <a:ea typeface="+mn-ea"/>
-                <a:cs typeface="+mn-cs"/>
-              </a:defRPr>
-            </a:lvl3pPr>
-            <a:lvl4pPr marL="1600200" indent="-228600" algn="l" defTabSz="914400" rtl="0" eaLnBrk="1" latinLnBrk="0" hangingPunct="1">
-              <a:lnSpc>
-                <a:spcPct val="90000"/>
-              </a:lnSpc>
-              <a:spcBef>
-                <a:spcPts val="500"/>
-              </a:spcBef>
+              </a:rPr>
+              <a:t>Caso o Aluno termine o estágio, deverá baixar e preencher o relatório final , e enviar para o professor orientador</a:t>
+            </a:r>
+          </a:p>
+          <a:p>
+            <a:pPr>
               <a:buFont typeface="Arial" panose="020B0604020202020204" pitchFamily="34" charset="0"/>
               <a:buChar char="•"/>
-              <a:defRPr sz="1800" kern="1200">
+            </a:pPr>
+            <a:r>
+              <a:rPr lang="pt-BR" sz="2800" b="1" dirty="0">
                 <a:solidFill>
                   <a:schemeClr val="tx1"/>
                 </a:solidFill>
-                <a:latin typeface="+mn-lt"/>
-                <a:ea typeface="+mn-ea"/>
-                <a:cs typeface="+mn-cs"/>
-              </a:defRPr>
-            </a:lvl4pPr>
-            <a:lvl5pPr marL="2057400" indent="-228600" algn="l" defTabSz="914400" rtl="0" eaLnBrk="1" latinLnBrk="0" hangingPunct="1">
-              <a:lnSpc>
-                <a:spcPct val="90000"/>
-              </a:lnSpc>
-              <a:spcBef>
-                <a:spcPts val="500"/>
-              </a:spcBef>
-              <a:buFont typeface="Arial" panose="020B0604020202020204" pitchFamily="34" charset="0"/>
-              <a:buChar char="•"/>
-              <a:defRPr sz="1800" kern="1200">
-                <a:solidFill>
-                  <a:schemeClr val="tx1"/>
-                </a:solidFill>
-                <a:latin typeface="+mn-lt"/>
-                <a:ea typeface="+mn-ea"/>
-                <a:cs typeface="+mn-cs"/>
-              </a:defRPr>
-            </a:lvl5pPr>
-            <a:lvl6pPr marL="2514600" indent="-228600" algn="l" defTabSz="914400" rtl="0" eaLnBrk="1" latinLnBrk="0" hangingPunct="1">
-              <a:lnSpc>
-                <a:spcPct val="90000"/>
-              </a:lnSpc>
-              <a:spcBef>
-                <a:spcPts val="500"/>
-              </a:spcBef>
-              <a:buFont typeface="Arial" panose="020B0604020202020204" pitchFamily="34" charset="0"/>
-              <a:buChar char="•"/>
-              <a:defRPr sz="1800" kern="1200">
-                <a:solidFill>
-                  <a:schemeClr val="tx1"/>
-                </a:solidFill>
-                <a:latin typeface="+mn-lt"/>
-                <a:ea typeface="+mn-ea"/>
-                <a:cs typeface="+mn-cs"/>
-              </a:defRPr>
-            </a:lvl6pPr>
-            <a:lvl7pPr marL="2971800" indent="-228600" algn="l" defTabSz="914400" rtl="0" eaLnBrk="1" latinLnBrk="0" hangingPunct="1">
-              <a:lnSpc>
-                <a:spcPct val="90000"/>
-              </a:lnSpc>
-              <a:spcBef>
-                <a:spcPts val="500"/>
-              </a:spcBef>
-              <a:buFont typeface="Arial" panose="020B0604020202020204" pitchFamily="34" charset="0"/>
-              <a:buChar char="•"/>
-              <a:defRPr sz="1800" kern="1200">
-                <a:solidFill>
-                  <a:schemeClr val="tx1"/>
-                </a:solidFill>
-                <a:latin typeface="+mn-lt"/>
-                <a:ea typeface="+mn-ea"/>
-                <a:cs typeface="+mn-cs"/>
-              </a:defRPr>
-            </a:lvl7pPr>
-            <a:lvl8pPr marL="3429000" indent="-228600" algn="l" defTabSz="914400" rtl="0" eaLnBrk="1" latinLnBrk="0" hangingPunct="1">
-              <a:lnSpc>
-                <a:spcPct val="90000"/>
-              </a:lnSpc>
-              <a:spcBef>
-                <a:spcPts val="500"/>
-              </a:spcBef>
-              <a:buFont typeface="Arial" panose="020B0604020202020204" pitchFamily="34" charset="0"/>
-              <a:buChar char="•"/>
-              <a:defRPr sz="1800" kern="1200">
-                <a:solidFill>
-                  <a:schemeClr val="tx1"/>
-                </a:solidFill>
-                <a:latin typeface="+mn-lt"/>
-                <a:ea typeface="+mn-ea"/>
-                <a:cs typeface="+mn-cs"/>
-              </a:defRPr>
-            </a:lvl8pPr>
-            <a:lvl9pPr marL="3886200" indent="-228600" algn="l" defTabSz="914400" rtl="0" eaLnBrk="1" latinLnBrk="0" hangingPunct="1">
-              <a:lnSpc>
-                <a:spcPct val="90000"/>
-              </a:lnSpc>
-              <a:spcBef>
-                <a:spcPts val="500"/>
-              </a:spcBef>
-              <a:buFont typeface="Arial" panose="020B0604020202020204" pitchFamily="34" charset="0"/>
-              <a:buChar char="•"/>
-              <a:defRPr sz="1800" kern="1200">
-                <a:solidFill>
-                  <a:schemeClr val="tx1"/>
-                </a:solidFill>
-                <a:latin typeface="+mn-lt"/>
-                <a:ea typeface="+mn-ea"/>
-                <a:cs typeface="+mn-cs"/>
-              </a:defRPr>
-            </a:lvl9pPr>
-          </a:lstStyle>
-          <a:p>
-            <a:r>
-              <a:rPr lang="pt-BR" b="1" dirty="0"/>
-              <a:t>Baixar documento Word (termo de compromisso e plano de atividades) no site oficial da Fatec de Itapira para o curso de Desenvolvimento de Software Multiplataforma</a:t>
-            </a:r>
-          </a:p>
-          <a:p>
-            <a:r>
-              <a:rPr lang="pt-BR" b="1" dirty="0"/>
-              <a:t>Aluno preenche todos os vazios do documento com seus dados e entrega para o professor orientador avaliar se está preenchido corretamente</a:t>
-            </a:r>
-          </a:p>
-          <a:p>
-            <a:r>
-              <a:rPr lang="pt-BR" b="1" dirty="0"/>
-              <a:t>Se aprovado o aluno imprime 3 cópias deste documento e coleta assinatura também dos 3 documentos do seu supervisor de estágio, a própria assinatura e entrega para o professor para a assinatura do diretor.</a:t>
-            </a:r>
-          </a:p>
-          <a:p>
-            <a:endParaRPr lang="pt-BR" dirty="0"/>
-          </a:p>
-          <a:p>
-            <a:endParaRPr lang="pt-BR" dirty="0"/>
-          </a:p>
-        </p:txBody>
-      </p:sp>
-      <p:sp>
-        <p:nvSpPr>
-          <p:cNvPr id="6" name="Espaço Reservado para Conteúdo 2">
-            <a:extLst>
-              <a:ext uri="{FF2B5EF4-FFF2-40B4-BE49-F238E27FC236}">
-                <a16:creationId xmlns:a16="http://schemas.microsoft.com/office/drawing/2014/main" id="{676FFFC5-C9BF-4520-B776-5FDE6E46F893}"/>
-              </a:ext>
-            </a:extLst>
-          </p:cNvPr>
-          <p:cNvSpPr txBox="1">
-            <a:spLocks/>
-          </p:cNvSpPr>
-          <p:nvPr/>
-        </p:nvSpPr>
-        <p:spPr>
-          <a:xfrm>
-            <a:off x="838200" y="4628524"/>
-            <a:ext cx="10591800" cy="1325563"/>
-          </a:xfrm>
-          <a:prstGeom prst="rect">
-            <a:avLst/>
-          </a:prstGeom>
-        </p:spPr>
-        <p:txBody>
-          <a:bodyPr vert="horz" lIns="91440" tIns="45720" rIns="91440" bIns="45720" rtlCol="0">
-            <a:normAutofit/>
-          </a:bodyPr>
-          <a:lstStyle>
-            <a:lvl1pPr marL="228600" indent="-228600" algn="l" defTabSz="914400" rtl="0" eaLnBrk="1" latinLnBrk="0" hangingPunct="1">
-              <a:lnSpc>
-                <a:spcPct val="90000"/>
-              </a:lnSpc>
-              <a:spcBef>
-                <a:spcPts val="1000"/>
-              </a:spcBef>
-              <a:buFont typeface="Arial" panose="020B0604020202020204" pitchFamily="34" charset="0"/>
-              <a:buChar char="•"/>
-              <a:defRPr sz="2800" kern="1200">
-                <a:solidFill>
-                  <a:schemeClr val="tx1"/>
-                </a:solidFill>
-                <a:latin typeface="+mn-lt"/>
-                <a:ea typeface="+mn-ea"/>
-                <a:cs typeface="+mn-cs"/>
-              </a:defRPr>
-            </a:lvl1pPr>
-            <a:lvl2pPr marL="685800" indent="-228600" algn="l" defTabSz="914400" rtl="0" eaLnBrk="1" latinLnBrk="0" hangingPunct="1">
-              <a:lnSpc>
-                <a:spcPct val="90000"/>
-              </a:lnSpc>
-              <a:spcBef>
-                <a:spcPts val="500"/>
-              </a:spcBef>
-              <a:buFont typeface="Arial" panose="020B0604020202020204" pitchFamily="34" charset="0"/>
-              <a:buChar char="•"/>
-              <a:defRPr sz="2400" kern="1200">
-                <a:solidFill>
-                  <a:schemeClr val="tx1"/>
-                </a:solidFill>
-                <a:latin typeface="+mn-lt"/>
-                <a:ea typeface="+mn-ea"/>
-                <a:cs typeface="+mn-cs"/>
-              </a:defRPr>
-            </a:lvl2pPr>
-            <a:lvl3pPr marL="1143000" indent="-228600" algn="l" defTabSz="914400" rtl="0" eaLnBrk="1" latinLnBrk="0" hangingPunct="1">
-              <a:lnSpc>
-                <a:spcPct val="90000"/>
-              </a:lnSpc>
-              <a:spcBef>
-                <a:spcPts val="500"/>
-              </a:spcBef>
-              <a:buFont typeface="Arial" panose="020B0604020202020204" pitchFamily="34" charset="0"/>
-              <a:buChar char="•"/>
-              <a:defRPr sz="2000" kern="1200">
-                <a:solidFill>
-                  <a:schemeClr val="tx1"/>
-                </a:solidFill>
-                <a:latin typeface="+mn-lt"/>
-                <a:ea typeface="+mn-ea"/>
-                <a:cs typeface="+mn-cs"/>
-              </a:defRPr>
-            </a:lvl3pPr>
-            <a:lvl4pPr marL="1600200" indent="-228600" algn="l" defTabSz="914400" rtl="0" eaLnBrk="1" latinLnBrk="0" hangingPunct="1">
-              <a:lnSpc>
-                <a:spcPct val="90000"/>
-              </a:lnSpc>
-              <a:spcBef>
-                <a:spcPts val="500"/>
-              </a:spcBef>
-              <a:buFont typeface="Arial" panose="020B0604020202020204" pitchFamily="34" charset="0"/>
-              <a:buChar char="•"/>
-              <a:defRPr sz="1800" kern="1200">
-                <a:solidFill>
-                  <a:schemeClr val="tx1"/>
-                </a:solidFill>
-                <a:latin typeface="+mn-lt"/>
-                <a:ea typeface="+mn-ea"/>
-                <a:cs typeface="+mn-cs"/>
-              </a:defRPr>
-            </a:lvl4pPr>
-            <a:lvl5pPr marL="2057400" indent="-228600" algn="l" defTabSz="914400" rtl="0" eaLnBrk="1" latinLnBrk="0" hangingPunct="1">
-              <a:lnSpc>
-                <a:spcPct val="90000"/>
-              </a:lnSpc>
-              <a:spcBef>
-                <a:spcPts val="500"/>
-              </a:spcBef>
-              <a:buFont typeface="Arial" panose="020B0604020202020204" pitchFamily="34" charset="0"/>
-              <a:buChar char="•"/>
-              <a:defRPr sz="1800" kern="1200">
-                <a:solidFill>
-                  <a:schemeClr val="tx1"/>
-                </a:solidFill>
-                <a:latin typeface="+mn-lt"/>
-                <a:ea typeface="+mn-ea"/>
-                <a:cs typeface="+mn-cs"/>
-              </a:defRPr>
-            </a:lvl5pPr>
-            <a:lvl6pPr marL="2514600" indent="-228600" algn="l" defTabSz="914400" rtl="0" eaLnBrk="1" latinLnBrk="0" hangingPunct="1">
-              <a:lnSpc>
-                <a:spcPct val="90000"/>
-              </a:lnSpc>
-              <a:spcBef>
-                <a:spcPts val="500"/>
-              </a:spcBef>
-              <a:buFont typeface="Arial" panose="020B0604020202020204" pitchFamily="34" charset="0"/>
-              <a:buChar char="•"/>
-              <a:defRPr sz="1800" kern="1200">
-                <a:solidFill>
-                  <a:schemeClr val="tx1"/>
-                </a:solidFill>
-                <a:latin typeface="+mn-lt"/>
-                <a:ea typeface="+mn-ea"/>
-                <a:cs typeface="+mn-cs"/>
-              </a:defRPr>
-            </a:lvl6pPr>
-            <a:lvl7pPr marL="2971800" indent="-228600" algn="l" defTabSz="914400" rtl="0" eaLnBrk="1" latinLnBrk="0" hangingPunct="1">
-              <a:lnSpc>
-                <a:spcPct val="90000"/>
-              </a:lnSpc>
-              <a:spcBef>
-                <a:spcPts val="500"/>
-              </a:spcBef>
-              <a:buFont typeface="Arial" panose="020B0604020202020204" pitchFamily="34" charset="0"/>
-              <a:buChar char="•"/>
-              <a:defRPr sz="1800" kern="1200">
-                <a:solidFill>
-                  <a:schemeClr val="tx1"/>
-                </a:solidFill>
-                <a:latin typeface="+mn-lt"/>
-                <a:ea typeface="+mn-ea"/>
-                <a:cs typeface="+mn-cs"/>
-              </a:defRPr>
-            </a:lvl7pPr>
-            <a:lvl8pPr marL="3429000" indent="-228600" algn="l" defTabSz="914400" rtl="0" eaLnBrk="1" latinLnBrk="0" hangingPunct="1">
-              <a:lnSpc>
-                <a:spcPct val="90000"/>
-              </a:lnSpc>
-              <a:spcBef>
-                <a:spcPts val="500"/>
-              </a:spcBef>
-              <a:buFont typeface="Arial" panose="020B0604020202020204" pitchFamily="34" charset="0"/>
-              <a:buChar char="•"/>
-              <a:defRPr sz="1800" kern="1200">
-                <a:solidFill>
-                  <a:schemeClr val="tx1"/>
-                </a:solidFill>
-                <a:latin typeface="+mn-lt"/>
-                <a:ea typeface="+mn-ea"/>
-                <a:cs typeface="+mn-cs"/>
-              </a:defRPr>
-            </a:lvl8pPr>
-            <a:lvl9pPr marL="3886200" indent="-228600" algn="l" defTabSz="914400" rtl="0" eaLnBrk="1" latinLnBrk="0" hangingPunct="1">
-              <a:lnSpc>
-                <a:spcPct val="90000"/>
-              </a:lnSpc>
-              <a:spcBef>
-                <a:spcPts val="500"/>
-              </a:spcBef>
-              <a:buFont typeface="Arial" panose="020B0604020202020204" pitchFamily="34" charset="0"/>
-              <a:buChar char="•"/>
-              <a:defRPr sz="1800" kern="1200">
-                <a:solidFill>
-                  <a:schemeClr val="tx1"/>
-                </a:solidFill>
-                <a:latin typeface="+mn-lt"/>
-                <a:ea typeface="+mn-ea"/>
-                <a:cs typeface="+mn-cs"/>
-              </a:defRPr>
-            </a:lvl9pPr>
-          </a:lstStyle>
-          <a:p>
-            <a:endParaRPr lang="pt-BR" dirty="0"/>
-          </a:p>
-        </p:txBody>
-      </p:sp>
-      <p:sp>
-        <p:nvSpPr>
-          <p:cNvPr id="7" name="Espaço Reservado para Conteúdo 2">
-            <a:extLst>
-              <a:ext uri="{FF2B5EF4-FFF2-40B4-BE49-F238E27FC236}">
-                <a16:creationId xmlns:a16="http://schemas.microsoft.com/office/drawing/2014/main" id="{635909BE-EFF0-4CC2-9943-067341050F8B}"/>
-              </a:ext>
-            </a:extLst>
-          </p:cNvPr>
-          <p:cNvSpPr txBox="1">
-            <a:spLocks/>
-          </p:cNvSpPr>
-          <p:nvPr/>
-        </p:nvSpPr>
-        <p:spPr>
-          <a:xfrm>
-            <a:off x="838200" y="5836830"/>
-            <a:ext cx="10515600" cy="970738"/>
-          </a:xfrm>
-          <a:prstGeom prst="rect">
-            <a:avLst/>
-          </a:prstGeom>
-        </p:spPr>
-        <p:txBody>
-          <a:bodyPr vert="horz" lIns="91440" tIns="45720" rIns="91440" bIns="45720" rtlCol="0">
-            <a:normAutofit/>
-          </a:bodyPr>
-          <a:lstStyle>
-            <a:lvl1pPr marL="228600" indent="-228600" algn="l" defTabSz="914400" rtl="0" eaLnBrk="1" latinLnBrk="0" hangingPunct="1">
-              <a:lnSpc>
-                <a:spcPct val="90000"/>
-              </a:lnSpc>
-              <a:spcBef>
-                <a:spcPts val="1000"/>
-              </a:spcBef>
-              <a:buFont typeface="Arial" panose="020B0604020202020204" pitchFamily="34" charset="0"/>
-              <a:buChar char="•"/>
-              <a:defRPr sz="2800" kern="1200">
-                <a:solidFill>
-                  <a:schemeClr val="tx1"/>
-                </a:solidFill>
-                <a:latin typeface="+mn-lt"/>
-                <a:ea typeface="+mn-ea"/>
-                <a:cs typeface="+mn-cs"/>
-              </a:defRPr>
-            </a:lvl1pPr>
-            <a:lvl2pPr marL="685800" indent="-228600" algn="l" defTabSz="914400" rtl="0" eaLnBrk="1" latinLnBrk="0" hangingPunct="1">
-              <a:lnSpc>
-                <a:spcPct val="90000"/>
-              </a:lnSpc>
-              <a:spcBef>
-                <a:spcPts val="500"/>
-              </a:spcBef>
-              <a:buFont typeface="Arial" panose="020B0604020202020204" pitchFamily="34" charset="0"/>
-              <a:buChar char="•"/>
-              <a:defRPr sz="2400" kern="1200">
-                <a:solidFill>
-                  <a:schemeClr val="tx1"/>
-                </a:solidFill>
-                <a:latin typeface="+mn-lt"/>
-                <a:ea typeface="+mn-ea"/>
-                <a:cs typeface="+mn-cs"/>
-              </a:defRPr>
-            </a:lvl2pPr>
-            <a:lvl3pPr marL="1143000" indent="-228600" algn="l" defTabSz="914400" rtl="0" eaLnBrk="1" latinLnBrk="0" hangingPunct="1">
-              <a:lnSpc>
-                <a:spcPct val="90000"/>
-              </a:lnSpc>
-              <a:spcBef>
-                <a:spcPts val="500"/>
-              </a:spcBef>
-              <a:buFont typeface="Arial" panose="020B0604020202020204" pitchFamily="34" charset="0"/>
-              <a:buChar char="•"/>
-              <a:defRPr sz="2000" kern="1200">
-                <a:solidFill>
-                  <a:schemeClr val="tx1"/>
-                </a:solidFill>
-                <a:latin typeface="+mn-lt"/>
-                <a:ea typeface="+mn-ea"/>
-                <a:cs typeface="+mn-cs"/>
-              </a:defRPr>
-            </a:lvl3pPr>
-            <a:lvl4pPr marL="1600200" indent="-228600" algn="l" defTabSz="914400" rtl="0" eaLnBrk="1" latinLnBrk="0" hangingPunct="1">
-              <a:lnSpc>
-                <a:spcPct val="90000"/>
-              </a:lnSpc>
-              <a:spcBef>
-                <a:spcPts val="500"/>
-              </a:spcBef>
-              <a:buFont typeface="Arial" panose="020B0604020202020204" pitchFamily="34" charset="0"/>
-              <a:buChar char="•"/>
-              <a:defRPr sz="1800" kern="1200">
-                <a:solidFill>
-                  <a:schemeClr val="tx1"/>
-                </a:solidFill>
-                <a:latin typeface="+mn-lt"/>
-                <a:ea typeface="+mn-ea"/>
-                <a:cs typeface="+mn-cs"/>
-              </a:defRPr>
-            </a:lvl4pPr>
-            <a:lvl5pPr marL="2057400" indent="-228600" algn="l" defTabSz="914400" rtl="0" eaLnBrk="1" latinLnBrk="0" hangingPunct="1">
-              <a:lnSpc>
-                <a:spcPct val="90000"/>
-              </a:lnSpc>
-              <a:spcBef>
-                <a:spcPts val="500"/>
-              </a:spcBef>
-              <a:buFont typeface="Arial" panose="020B0604020202020204" pitchFamily="34" charset="0"/>
-              <a:buChar char="•"/>
-              <a:defRPr sz="1800" kern="1200">
-                <a:solidFill>
-                  <a:schemeClr val="tx1"/>
-                </a:solidFill>
-                <a:latin typeface="+mn-lt"/>
-                <a:ea typeface="+mn-ea"/>
-                <a:cs typeface="+mn-cs"/>
-              </a:defRPr>
-            </a:lvl5pPr>
-            <a:lvl6pPr marL="2514600" indent="-228600" algn="l" defTabSz="914400" rtl="0" eaLnBrk="1" latinLnBrk="0" hangingPunct="1">
-              <a:lnSpc>
-                <a:spcPct val="90000"/>
-              </a:lnSpc>
-              <a:spcBef>
-                <a:spcPts val="500"/>
-              </a:spcBef>
-              <a:buFont typeface="Arial" panose="020B0604020202020204" pitchFamily="34" charset="0"/>
-              <a:buChar char="•"/>
-              <a:defRPr sz="1800" kern="1200">
-                <a:solidFill>
-                  <a:schemeClr val="tx1"/>
-                </a:solidFill>
-                <a:latin typeface="+mn-lt"/>
-                <a:ea typeface="+mn-ea"/>
-                <a:cs typeface="+mn-cs"/>
-              </a:defRPr>
-            </a:lvl6pPr>
-            <a:lvl7pPr marL="2971800" indent="-228600" algn="l" defTabSz="914400" rtl="0" eaLnBrk="1" latinLnBrk="0" hangingPunct="1">
-              <a:lnSpc>
-                <a:spcPct val="90000"/>
-              </a:lnSpc>
-              <a:spcBef>
-                <a:spcPts val="500"/>
-              </a:spcBef>
-              <a:buFont typeface="Arial" panose="020B0604020202020204" pitchFamily="34" charset="0"/>
-              <a:buChar char="•"/>
-              <a:defRPr sz="1800" kern="1200">
-                <a:solidFill>
-                  <a:schemeClr val="tx1"/>
-                </a:solidFill>
-                <a:latin typeface="+mn-lt"/>
-                <a:ea typeface="+mn-ea"/>
-                <a:cs typeface="+mn-cs"/>
-              </a:defRPr>
-            </a:lvl7pPr>
-            <a:lvl8pPr marL="3429000" indent="-228600" algn="l" defTabSz="914400" rtl="0" eaLnBrk="1" latinLnBrk="0" hangingPunct="1">
-              <a:lnSpc>
-                <a:spcPct val="90000"/>
-              </a:lnSpc>
-              <a:spcBef>
-                <a:spcPts val="500"/>
-              </a:spcBef>
-              <a:buFont typeface="Arial" panose="020B0604020202020204" pitchFamily="34" charset="0"/>
-              <a:buChar char="•"/>
-              <a:defRPr sz="1800" kern="1200">
-                <a:solidFill>
-                  <a:schemeClr val="tx1"/>
-                </a:solidFill>
-                <a:latin typeface="+mn-lt"/>
-                <a:ea typeface="+mn-ea"/>
-                <a:cs typeface="+mn-cs"/>
-              </a:defRPr>
-            </a:lvl8pPr>
-            <a:lvl9pPr marL="3886200" indent="-228600" algn="l" defTabSz="914400" rtl="0" eaLnBrk="1" latinLnBrk="0" hangingPunct="1">
-              <a:lnSpc>
-                <a:spcPct val="90000"/>
-              </a:lnSpc>
-              <a:spcBef>
-                <a:spcPts val="500"/>
-              </a:spcBef>
-              <a:buFont typeface="Arial" panose="020B0604020202020204" pitchFamily="34" charset="0"/>
-              <a:buChar char="•"/>
-              <a:defRPr sz="1800" kern="1200">
-                <a:solidFill>
-                  <a:schemeClr val="tx1"/>
-                </a:solidFill>
-                <a:latin typeface="+mn-lt"/>
-                <a:ea typeface="+mn-ea"/>
-                <a:cs typeface="+mn-cs"/>
-              </a:defRPr>
-            </a:lvl9pPr>
-          </a:lstStyle>
-          <a:p>
-            <a:endParaRPr lang="pt-BR" dirty="0"/>
+              </a:rPr>
+              <a:t>Caso aprovado relatório final, a Fatec emite um certificado de conclusão de estágio do aluno </a:t>
+            </a:r>
           </a:p>
         </p:txBody>
       </p:sp>
     </p:spTree>
     <p:extLst>
       <p:ext uri="{BB962C8B-B14F-4D97-AF65-F5344CB8AC3E}">
-        <p14:creationId xmlns:p14="http://schemas.microsoft.com/office/powerpoint/2010/main" val="4081882569"/>
+        <p14:creationId xmlns:p14="http://schemas.microsoft.com/office/powerpoint/2010/main" val="1714584364"/>
       </p:ext>
     </p:extLst>
   </p:cSld>
@@ -6520,10 +6808,44 @@
       </p:grpSpPr>
       <p:sp>
         <p:nvSpPr>
+          <p:cNvPr id="2" name="Título 1">
+            <a:extLst>
+              <a:ext uri="{FF2B5EF4-FFF2-40B4-BE49-F238E27FC236}">
+                <a16:creationId xmlns:a16="http://schemas.microsoft.com/office/drawing/2014/main" id="{50FCE149-5646-4548-8022-5473179137EC}"/>
+              </a:ext>
+            </a:extLst>
+          </p:cNvPr>
+          <p:cNvSpPr>
+            <a:spLocks noGrp="1"/>
+          </p:cNvSpPr>
+          <p:nvPr>
+            <p:ph type="title"/>
+          </p:nvPr>
+        </p:nvSpPr>
+        <p:spPr>
+          <a:xfrm>
+            <a:off x="0" y="365125"/>
+            <a:ext cx="12192000" cy="1325563"/>
+          </a:xfrm>
+        </p:spPr>
+        <p:txBody>
+          <a:bodyPr/>
+          <a:lstStyle/>
+          <a:p>
+            <a:pPr algn="ctr"/>
+            <a:r>
+              <a:rPr lang="pt-BR" b="1" dirty="0"/>
+              <a:t>Objetivo</a:t>
+            </a:r>
+          </a:p>
+        </p:txBody>
+      </p:sp>
+      <p:sp>
+        <p:nvSpPr>
           <p:cNvPr id="3" name="Espaço Reservado para Conteúdo 2">
             <a:extLst>
               <a:ext uri="{FF2B5EF4-FFF2-40B4-BE49-F238E27FC236}">
-                <a16:creationId xmlns:a16="http://schemas.microsoft.com/office/drawing/2014/main" id="{D856F7A5-62D5-4551-936A-43FF8039252F}"/>
+                <a16:creationId xmlns:a16="http://schemas.microsoft.com/office/drawing/2014/main" id="{368300FA-6FFF-47AF-B9F2-EB061C4E6304}"/>
               </a:ext>
             </a:extLst>
           </p:cNvPr>
@@ -6536,77 +6858,68 @@
         </p:nvSpPr>
         <p:spPr>
           <a:xfrm>
-            <a:off x="287601" y="301440"/>
-            <a:ext cx="10515600" cy="6255119"/>
+            <a:off x="838200" y="2802778"/>
+            <a:ext cx="10515600" cy="970738"/>
           </a:xfrm>
         </p:spPr>
         <p:txBody>
-          <a:bodyPr>
-            <a:normAutofit/>
-          </a:bodyPr>
+          <a:bodyPr/>
           <a:lstStyle/>
           <a:p>
-            <a:pPr>
-              <a:buFont typeface="Arial" panose="020B0604020202020204" pitchFamily="34" charset="0"/>
-              <a:buChar char="•"/>
-            </a:pPr>
-            <a:r>
-              <a:rPr lang="pt-BR" sz="2800" b="1" dirty="0">
+            <a:r>
+              <a:rPr lang="pt-BR" dirty="0">
                 <a:solidFill>
                   <a:schemeClr val="tx1"/>
                 </a:solidFill>
               </a:rPr>
-              <a:t>Após tudo assinado, fica uma cópia com o aluno, uma com a empresa e uma com a Fatec</a:t>
-            </a:r>
-          </a:p>
-          <a:p>
-            <a:pPr>
-              <a:buFont typeface="Arial" panose="020B0604020202020204" pitchFamily="34" charset="0"/>
-              <a:buChar char="•"/>
-            </a:pPr>
-            <a:r>
-              <a:rPr lang="pt-BR" sz="2800" b="1" dirty="0">
-                <a:solidFill>
-                  <a:schemeClr val="tx1"/>
-                </a:solidFill>
-              </a:rPr>
-              <a:t>Após aprovado o primeiro documento de termo de compromisso, ao final de cada semestre, o aluno deverá baixar um documento de relatório parcial no site da Fatec ,preencher e enviar para o professor orientador avaliar</a:t>
-            </a:r>
-          </a:p>
-          <a:p>
-            <a:pPr>
-              <a:buFont typeface="Arial" panose="020B0604020202020204" pitchFamily="34" charset="0"/>
-              <a:buChar char="•"/>
-            </a:pPr>
-            <a:r>
-              <a:rPr lang="pt-BR" sz="2800" b="1" dirty="0">
-                <a:solidFill>
-                  <a:schemeClr val="tx1"/>
-                </a:solidFill>
-              </a:rPr>
-              <a:t>Caso o Aluno termine o estágio, deverá baixar e preencher o relatório final , e enviar para o professor orientador</a:t>
-            </a:r>
-          </a:p>
-          <a:p>
-            <a:pPr>
-              <a:buFont typeface="Arial" panose="020B0604020202020204" pitchFamily="34" charset="0"/>
-              <a:buChar char="•"/>
-            </a:pPr>
-            <a:r>
-              <a:rPr lang="pt-BR" sz="2800" b="1" dirty="0">
-                <a:solidFill>
-                  <a:schemeClr val="tx1"/>
-                </a:solidFill>
-              </a:rPr>
-              <a:t>Caso aprovado relatório final, a Fatec emite um certificado de conclusão de estágio do aluno </a:t>
-            </a:r>
-          </a:p>
-        </p:txBody>
-      </p:sp>
+              <a:t>Fazer sistema de gerenciamento de estágio para os alunos da Fatec de Itapira para o curso de Desenvolvimento de Software Multiplataforma</a:t>
+            </a:r>
+          </a:p>
+        </p:txBody>
+      </p:sp>
+      <p:pic>
+        <p:nvPicPr>
+          <p:cNvPr id="5" name="Gráfico 4" descr="Alvo">
+            <a:extLst>
+              <a:ext uri="{FF2B5EF4-FFF2-40B4-BE49-F238E27FC236}">
+                <a16:creationId xmlns:a16="http://schemas.microsoft.com/office/drawing/2014/main" id="{9FF6BB9B-E7E2-4390-9E9A-ED90A4A6A241}"/>
+              </a:ext>
+            </a:extLst>
+          </p:cNvPr>
+          <p:cNvPicPr>
+            <a:picLocks noChangeAspect="1"/>
+          </p:cNvPicPr>
+          <p:nvPr/>
+        </p:nvPicPr>
+        <p:blipFill>
+          <a:blip r:embed="rId2">
+            <a:extLst>
+              <a:ext uri="{28A0092B-C50C-407E-A947-70E740481C1C}">
+                <a14:useLocalDpi xmlns:a14="http://schemas.microsoft.com/office/drawing/2010/main" val="0"/>
+              </a:ext>
+              <a:ext uri="{96DAC541-7B7A-43D3-8B79-37D633B846F1}">
+                <asvg:svgBlip xmlns:asvg="http://schemas.microsoft.com/office/drawing/2016/SVG/main" r:embed="rId3"/>
+              </a:ext>
+            </a:extLst>
+          </a:blip>
+          <a:stretch>
+            <a:fillRect/>
+          </a:stretch>
+        </p:blipFill>
+        <p:spPr>
+          <a:xfrm>
+            <a:off x="5638800" y="5259247"/>
+            <a:ext cx="914400" cy="914400"/>
+          </a:xfrm>
+          <a:prstGeom prst="rect">
+            <a:avLst/>
+          </a:prstGeom>
+        </p:spPr>
+      </p:pic>
     </p:spTree>
     <p:extLst>
       <p:ext uri="{BB962C8B-B14F-4D97-AF65-F5344CB8AC3E}">
-        <p14:creationId xmlns:p14="http://schemas.microsoft.com/office/powerpoint/2010/main" val="1714584364"/>
+        <p14:creationId xmlns:p14="http://schemas.microsoft.com/office/powerpoint/2010/main" val="2319964115"/>
       </p:ext>
     </p:extLst>
   </p:cSld>
@@ -7340,6 +7653,45 @@
           </a:prstGeom>
         </p:spPr>
       </p:pic>
+      <p:pic>
+        <p:nvPicPr>
+          <p:cNvPr id="7" name="Gráfico 6" descr="Hierarquia">
+            <a:extLst>
+              <a:ext uri="{FF2B5EF4-FFF2-40B4-BE49-F238E27FC236}">
+                <a16:creationId xmlns:a16="http://schemas.microsoft.com/office/drawing/2014/main" id="{F5C7119C-4981-49E0-9D7C-ADB6616D6433}"/>
+              </a:ext>
+            </a:extLst>
+          </p:cNvPr>
+          <p:cNvPicPr>
+            <a:picLocks noChangeAspect="1"/>
+          </p:cNvPicPr>
+          <p:nvPr/>
+        </p:nvPicPr>
+        <p:blipFill>
+          <a:blip r:embed="rId3">
+            <a:extLst>
+              <a:ext uri="{28A0092B-C50C-407E-A947-70E740481C1C}">
+                <a14:useLocalDpi xmlns:a14="http://schemas.microsoft.com/office/drawing/2010/main" val="0"/>
+              </a:ext>
+              <a:ext uri="{96DAC541-7B7A-43D3-8B79-37D633B846F1}">
+                <asvg:svgBlip xmlns:asvg="http://schemas.microsoft.com/office/drawing/2016/SVG/main" r:embed="rId4"/>
+              </a:ext>
+            </a:extLst>
+          </a:blip>
+          <a:stretch>
+            <a:fillRect/>
+          </a:stretch>
+        </p:blipFill>
+        <p:spPr>
+          <a:xfrm rot="5400000">
+            <a:off x="8719869" y="3128116"/>
+            <a:ext cx="1597821" cy="1597821"/>
+          </a:xfrm>
+          <a:prstGeom prst="rect">
+            <a:avLst/>
+          </a:prstGeom>
+        </p:spPr>
+      </p:pic>
     </p:spTree>
     <p:extLst>
       <p:ext uri="{BB962C8B-B14F-4D97-AF65-F5344CB8AC3E}">
@@ -7354,6 +7706,109 @@
 </file>
 
 <file path=ppt/slides/slide6.xml><?xml version="1.0" encoding="utf-8"?>
+<p:sld xmlns:a="http://schemas.openxmlformats.org/drawingml/2006/main" xmlns:r="http://schemas.openxmlformats.org/officeDocument/2006/relationships" xmlns:p="http://schemas.openxmlformats.org/presentationml/2006/main">
+  <p:cSld>
+    <p:spTree>
+      <p:nvGrpSpPr>
+        <p:cNvPr id="1" name=""/>
+        <p:cNvGrpSpPr/>
+        <p:nvPr/>
+      </p:nvGrpSpPr>
+      <p:grpSpPr>
+        <a:xfrm>
+          <a:off x="0" y="0"/>
+          <a:ext cx="0" cy="0"/>
+          <a:chOff x="0" y="0"/>
+          <a:chExt cx="0" cy="0"/>
+        </a:xfrm>
+      </p:grpSpPr>
+      <p:sp>
+        <p:nvSpPr>
+          <p:cNvPr id="2" name="Título 1">
+            <a:extLst>
+              <a:ext uri="{FF2B5EF4-FFF2-40B4-BE49-F238E27FC236}">
+                <a16:creationId xmlns:a16="http://schemas.microsoft.com/office/drawing/2014/main" id="{7038E3B2-A5E3-4448-A380-97779DEE33D2}"/>
+              </a:ext>
+            </a:extLst>
+          </p:cNvPr>
+          <p:cNvSpPr>
+            <a:spLocks noGrp="1"/>
+          </p:cNvSpPr>
+          <p:nvPr>
+            <p:ph type="title"/>
+          </p:nvPr>
+        </p:nvSpPr>
+        <p:spPr>
+          <a:xfrm>
+            <a:off x="0" y="1457262"/>
+            <a:ext cx="12192000" cy="1507067"/>
+          </a:xfrm>
+        </p:spPr>
+        <p:txBody>
+          <a:bodyPr/>
+          <a:lstStyle/>
+          <a:p>
+            <a:pPr algn="ctr"/>
+            <a:r>
+              <a:rPr lang="pt-BR" b="1" dirty="0"/>
+              <a:t>Apresentação do sistema</a:t>
+            </a:r>
+          </a:p>
+        </p:txBody>
+      </p:sp>
+      <p:pic>
+        <p:nvPicPr>
+          <p:cNvPr id="5" name="Gráfico 4" descr="Programador">
+            <a:extLst>
+              <a:ext uri="{FF2B5EF4-FFF2-40B4-BE49-F238E27FC236}">
+                <a16:creationId xmlns:a16="http://schemas.microsoft.com/office/drawing/2014/main" id="{22C006B2-7F68-4E49-8DAF-F02C2B8D7EF2}"/>
+              </a:ext>
+            </a:extLst>
+          </p:cNvPr>
+          <p:cNvPicPr>
+            <a:picLocks noChangeAspect="1"/>
+          </p:cNvPicPr>
+          <p:nvPr/>
+        </p:nvPicPr>
+        <p:blipFill>
+          <a:blip r:embed="rId2">
+            <a:extLst>
+              <a:ext uri="{28A0092B-C50C-407E-A947-70E740481C1C}">
+                <a14:useLocalDpi xmlns:a14="http://schemas.microsoft.com/office/drawing/2010/main" val="0"/>
+              </a:ext>
+              <a:ext uri="{96DAC541-7B7A-43D3-8B79-37D633B846F1}">
+                <asvg:svgBlip xmlns:asvg="http://schemas.microsoft.com/office/drawing/2016/SVG/main" r:embed="rId3"/>
+              </a:ext>
+            </a:extLst>
+          </a:blip>
+          <a:stretch>
+            <a:fillRect/>
+          </a:stretch>
+        </p:blipFill>
+        <p:spPr>
+          <a:xfrm>
+            <a:off x="5638800" y="2971800"/>
+            <a:ext cx="914400" cy="914400"/>
+          </a:xfrm>
+          <a:prstGeom prst="rect">
+            <a:avLst/>
+          </a:prstGeom>
+        </p:spPr>
+      </p:pic>
+    </p:spTree>
+    <p:extLst>
+      <p:ext uri="{BB962C8B-B14F-4D97-AF65-F5344CB8AC3E}">
+        <p14:creationId xmlns:p14="http://schemas.microsoft.com/office/powerpoint/2010/main" val="532205652"/>
+      </p:ext>
+    </p:extLst>
+  </p:cSld>
+  <p:clrMapOvr>
+    <a:masterClrMapping/>
+  </p:clrMapOvr>
+</p:sld>
+</file>
+
+<file path=ppt/slides/slide7.xml><?xml version="1.0" encoding="utf-8"?>
 <p:sld xmlns:a="http://schemas.openxmlformats.org/drawingml/2006/main" xmlns:r="http://schemas.openxmlformats.org/officeDocument/2006/relationships" xmlns:p="http://schemas.openxmlformats.org/presentationml/2006/main">
   <p:cSld>
     <p:spTree>
@@ -8862,7 +9317,7 @@
 </p:sld>
 </file>
 
-<file path=ppt/slides/slide7.xml><?xml version="1.0" encoding="utf-8"?>
+<file path=ppt/slides/slide8.xml><?xml version="1.0" encoding="utf-8"?>
 <p:sld xmlns:a="http://schemas.openxmlformats.org/drawingml/2006/main" xmlns:r="http://schemas.openxmlformats.org/officeDocument/2006/relationships" xmlns:p="http://schemas.openxmlformats.org/presentationml/2006/main">
   <p:cSld>
     <p:spTree>
@@ -9028,10 +9483,296 @@
           </a:p>
         </p:txBody>
       </p:sp>
+      <p:pic>
+        <p:nvPicPr>
+          <p:cNvPr id="5" name="Gráfico 4" descr="Tendência ascendente">
+            <a:extLst>
+              <a:ext uri="{FF2B5EF4-FFF2-40B4-BE49-F238E27FC236}">
+                <a16:creationId xmlns:a16="http://schemas.microsoft.com/office/drawing/2014/main" id="{60C7879A-4AD1-43E2-A499-69503CC09D0C}"/>
+              </a:ext>
+            </a:extLst>
+          </p:cNvPr>
+          <p:cNvPicPr>
+            <a:picLocks noChangeAspect="1"/>
+          </p:cNvPicPr>
+          <p:nvPr/>
+        </p:nvPicPr>
+        <p:blipFill>
+          <a:blip r:embed="rId2">
+            <a:extLst>
+              <a:ext uri="{28A0092B-C50C-407E-A947-70E740481C1C}">
+                <a14:useLocalDpi xmlns:a14="http://schemas.microsoft.com/office/drawing/2010/main" val="0"/>
+              </a:ext>
+              <a:ext uri="{96DAC541-7B7A-43D3-8B79-37D633B846F1}">
+                <asvg:svgBlip xmlns:asvg="http://schemas.microsoft.com/office/drawing/2016/SVG/main" r:embed="rId3"/>
+              </a:ext>
+            </a:extLst>
+          </a:blip>
+          <a:stretch>
+            <a:fillRect/>
+          </a:stretch>
+        </p:blipFill>
+        <p:spPr>
+          <a:xfrm>
+            <a:off x="8471647" y="753533"/>
+            <a:ext cx="1882588" cy="1882588"/>
+          </a:xfrm>
+          <a:prstGeom prst="rect">
+            <a:avLst/>
+          </a:prstGeom>
+        </p:spPr>
+      </p:pic>
     </p:spTree>
     <p:extLst>
       <p:ext uri="{BB962C8B-B14F-4D97-AF65-F5344CB8AC3E}">
         <p14:creationId xmlns:p14="http://schemas.microsoft.com/office/powerpoint/2010/main" val="420485219"/>
+      </p:ext>
+    </p:extLst>
+  </p:cSld>
+  <p:clrMapOvr>
+    <a:masterClrMapping/>
+  </p:clrMapOvr>
+</p:sld>
+</file>
+
+<file path=ppt/slides/slide9.xml><?xml version="1.0" encoding="utf-8"?>
+<p:sld xmlns:a="http://schemas.openxmlformats.org/drawingml/2006/main" xmlns:r="http://schemas.openxmlformats.org/officeDocument/2006/relationships" xmlns:p="http://schemas.openxmlformats.org/presentationml/2006/main">
+  <p:cSld>
+    <p:spTree>
+      <p:nvGrpSpPr>
+        <p:cNvPr id="1" name=""/>
+        <p:cNvGrpSpPr/>
+        <p:nvPr/>
+      </p:nvGrpSpPr>
+      <p:grpSpPr>
+        <a:xfrm>
+          <a:off x="0" y="0"/>
+          <a:ext cx="0" cy="0"/>
+          <a:chOff x="0" y="0"/>
+          <a:chExt cx="0" cy="0"/>
+        </a:xfrm>
+      </p:grpSpPr>
+      <p:sp>
+        <p:nvSpPr>
+          <p:cNvPr id="2" name="Título 1">
+            <a:extLst>
+              <a:ext uri="{FF2B5EF4-FFF2-40B4-BE49-F238E27FC236}">
+                <a16:creationId xmlns:a16="http://schemas.microsoft.com/office/drawing/2014/main" id="{6C53D540-4AB0-4B59-BD67-926D60644B3F}"/>
+              </a:ext>
+            </a:extLst>
+          </p:cNvPr>
+          <p:cNvSpPr>
+            <a:spLocks noGrp="1"/>
+          </p:cNvSpPr>
+          <p:nvPr>
+            <p:ph type="title"/>
+          </p:nvPr>
+        </p:nvSpPr>
+        <p:spPr>
+          <a:xfrm>
+            <a:off x="0" y="0"/>
+            <a:ext cx="12192000" cy="1507067"/>
+          </a:xfrm>
+        </p:spPr>
+        <p:txBody>
+          <a:bodyPr/>
+          <a:lstStyle/>
+          <a:p>
+            <a:pPr algn="ctr"/>
+            <a:r>
+              <a:rPr lang="pt-BR" b="1" dirty="0" err="1"/>
+              <a:t>CoNclusão</a:t>
+            </a:r>
+            <a:endParaRPr lang="pt-BR" b="1" dirty="0"/>
+          </a:p>
+        </p:txBody>
+      </p:sp>
+      <p:sp>
+        <p:nvSpPr>
+          <p:cNvPr id="3" name="Espaço Reservado para Conteúdo 2">
+            <a:extLst>
+              <a:ext uri="{FF2B5EF4-FFF2-40B4-BE49-F238E27FC236}">
+                <a16:creationId xmlns:a16="http://schemas.microsoft.com/office/drawing/2014/main" id="{20DF89B6-5982-4043-AAEF-54C2DF3B8473}"/>
+              </a:ext>
+            </a:extLst>
+          </p:cNvPr>
+          <p:cNvSpPr>
+            <a:spLocks noGrp="1"/>
+          </p:cNvSpPr>
+          <p:nvPr>
+            <p:ph idx="1"/>
+          </p:nvPr>
+        </p:nvSpPr>
+        <p:spPr>
+          <a:xfrm>
+            <a:off x="585599" y="1317813"/>
+            <a:ext cx="10521671" cy="5206502"/>
+          </a:xfrm>
+        </p:spPr>
+        <p:txBody>
+          <a:bodyPr/>
+          <a:lstStyle/>
+          <a:p>
+            <a:pPr marL="0" indent="0">
+              <a:buNone/>
+            </a:pPr>
+            <a:r>
+              <a:rPr lang="pt-BR" b="1" dirty="0">
+                <a:solidFill>
+                  <a:schemeClr val="tx1"/>
+                </a:solidFill>
+              </a:rPr>
+              <a:t>Trabalho importante para evoluirmos academicamente, junto com um passo necessário durante nossos estudos que é o estágio</a:t>
+            </a:r>
+          </a:p>
+          <a:p>
+            <a:pPr marL="0" indent="0">
+              <a:buNone/>
+            </a:pPr>
+            <a:endParaRPr lang="pt-BR" b="1" dirty="0">
+              <a:solidFill>
+                <a:schemeClr val="tx1"/>
+              </a:solidFill>
+            </a:endParaRPr>
+          </a:p>
+          <a:p>
+            <a:pPr marL="0" indent="0">
+              <a:buNone/>
+            </a:pPr>
+            <a:r>
+              <a:rPr lang="pt-BR" b="1" dirty="0">
+                <a:solidFill>
+                  <a:schemeClr val="tx1"/>
+                </a:solidFill>
+              </a:rPr>
+              <a:t>Objetivo realizado, o sistema conta com diversas interações/funções que são:</a:t>
+            </a:r>
+          </a:p>
+          <a:p>
+            <a:pPr>
+              <a:buFont typeface="Wingdings" panose="05000000000000000000" pitchFamily="2" charset="2"/>
+              <a:buChar char="ü"/>
+            </a:pPr>
+            <a:r>
+              <a:rPr lang="pt-BR" b="1" dirty="0">
+                <a:solidFill>
+                  <a:schemeClr val="tx1"/>
+                </a:solidFill>
+              </a:rPr>
+              <a:t>Ágil</a:t>
+            </a:r>
+          </a:p>
+          <a:p>
+            <a:pPr>
+              <a:buFont typeface="Wingdings" panose="05000000000000000000" pitchFamily="2" charset="2"/>
+              <a:buChar char="ü"/>
+            </a:pPr>
+            <a:r>
+              <a:rPr lang="pt-BR" b="1" dirty="0">
+                <a:solidFill>
+                  <a:schemeClr val="tx1"/>
+                </a:solidFill>
+              </a:rPr>
+              <a:t>Simples</a:t>
+            </a:r>
+          </a:p>
+          <a:p>
+            <a:pPr>
+              <a:buFont typeface="Wingdings" panose="05000000000000000000" pitchFamily="2" charset="2"/>
+              <a:buChar char="ü"/>
+            </a:pPr>
+            <a:r>
+              <a:rPr lang="pt-BR" b="1" dirty="0">
+                <a:solidFill>
+                  <a:schemeClr val="tx1"/>
+                </a:solidFill>
+              </a:rPr>
+              <a:t>Fácil de usar</a:t>
+            </a:r>
+          </a:p>
+          <a:p>
+            <a:pPr>
+              <a:buFont typeface="Wingdings" panose="05000000000000000000" pitchFamily="2" charset="2"/>
+              <a:buChar char="ü"/>
+            </a:pPr>
+            <a:r>
+              <a:rPr lang="pt-BR" b="1" dirty="0">
+                <a:solidFill>
+                  <a:schemeClr val="tx1"/>
+                </a:solidFill>
+              </a:rPr>
+              <a:t>Intuitivo</a:t>
+            </a:r>
+          </a:p>
+          <a:p>
+            <a:pPr marL="0" indent="0">
+              <a:buNone/>
+            </a:pPr>
+            <a:endParaRPr lang="pt-BR" b="1" dirty="0">
+              <a:solidFill>
+                <a:schemeClr val="tx1"/>
+              </a:solidFill>
+            </a:endParaRPr>
+          </a:p>
+          <a:p>
+            <a:pPr>
+              <a:buFont typeface="Wingdings" panose="05000000000000000000" pitchFamily="2" charset="2"/>
+              <a:buChar char="ü"/>
+            </a:pPr>
+            <a:endParaRPr lang="pt-BR" dirty="0"/>
+          </a:p>
+          <a:p>
+            <a:pPr>
+              <a:buFont typeface="Wingdings" panose="05000000000000000000" pitchFamily="2" charset="2"/>
+              <a:buChar char="ü"/>
+            </a:pPr>
+            <a:endParaRPr lang="pt-BR" dirty="0"/>
+          </a:p>
+        </p:txBody>
+      </p:sp>
+      <p:pic>
+        <p:nvPicPr>
+          <p:cNvPr id="5" name="Gráfico 4" descr="Cabeça com engrenagens">
+            <a:extLst>
+              <a:ext uri="{FF2B5EF4-FFF2-40B4-BE49-F238E27FC236}">
+                <a16:creationId xmlns:a16="http://schemas.microsoft.com/office/drawing/2014/main" id="{5E3D85FC-62ED-446C-BCBD-2D94002F94D6}"/>
+              </a:ext>
+            </a:extLst>
+          </p:cNvPr>
+          <p:cNvPicPr>
+            <a:picLocks noChangeAspect="1"/>
+          </p:cNvPicPr>
+          <p:nvPr/>
+        </p:nvPicPr>
+        <p:blipFill>
+          <a:blip r:embed="rId2">
+            <a:extLst>
+              <a:ext uri="{28A0092B-C50C-407E-A947-70E740481C1C}">
+                <a14:useLocalDpi xmlns:a14="http://schemas.microsoft.com/office/drawing/2010/main" val="0"/>
+              </a:ext>
+              <a:ext uri="{96DAC541-7B7A-43D3-8B79-37D633B846F1}">
+                <asvg:svgBlip xmlns:asvg="http://schemas.microsoft.com/office/drawing/2016/SVG/main" r:embed="rId3"/>
+              </a:ext>
+            </a:extLst>
+          </a:blip>
+          <a:stretch>
+            <a:fillRect/>
+          </a:stretch>
+        </p:blipFill>
+        <p:spPr>
+          <a:xfrm>
+            <a:off x="10439400" y="1507067"/>
+            <a:ext cx="914400" cy="914400"/>
+          </a:xfrm>
+          <a:prstGeom prst="rect">
+            <a:avLst/>
+          </a:prstGeom>
+        </p:spPr>
+      </p:pic>
+    </p:spTree>
+    <p:extLst>
+      <p:ext uri="{BB962C8B-B14F-4D97-AF65-F5344CB8AC3E}">
+        <p14:creationId xmlns:p14="http://schemas.microsoft.com/office/powerpoint/2010/main" val="1348200680"/>
       </p:ext>
     </p:extLst>
   </p:cSld>

--- a/Projeto Interdisciplinar.pptx
+++ b/Projeto Interdisciplinar.pptx
@@ -6863,7 +6863,9 @@
           </a:xfrm>
         </p:spPr>
         <p:txBody>
-          <a:bodyPr/>
+          <a:bodyPr>
+            <a:normAutofit lnSpcReduction="10000"/>
+          </a:bodyPr>
           <a:lstStyle/>
           <a:p>
             <a:r>
@@ -6872,7 +6874,23 @@
                   <a:schemeClr val="tx1"/>
                 </a:solidFill>
               </a:rPr>
-              <a:t>Fazer sistema de gerenciamento de estágio para os alunos da Fatec de Itapira para o curso de Desenvolvimento de Software Multiplataforma</a:t>
+              <a:t>Fazer sistema de gerenciamento de estágio afim de facilitar os processos de estágio para os alunos da Fatec de </a:t>
+            </a:r>
+            <a:r>
+              <a:rPr lang="pt-BR">
+                <a:solidFill>
+                  <a:schemeClr val="tx1"/>
+                </a:solidFill>
+              </a:rPr>
+              <a:t>Itapira que fazem </a:t>
+            </a:r>
+            <a:r>
+              <a:rPr lang="pt-BR" dirty="0">
+                <a:solidFill>
+                  <a:schemeClr val="tx1"/>
+                </a:solidFill>
+              </a:rPr>
+              <a:t>o curso de Desenvolvimento de Software Multiplataforma</a:t>
             </a:r>
           </a:p>
         </p:txBody>

--- a/Projeto Interdisciplinar.pptx
+++ b/Projeto Interdisciplinar.pptx
@@ -312,7 +312,7 @@
           <a:p>
             <a:fld id="{D0EA8619-360D-4F4E-9D74-9A8FFFF3D2F5}" type="datetimeFigureOut">
               <a:rPr lang="pt-BR" smtClean="0"/>
-              <a:t>25/06/2024</a:t>
+              <a:t>26/06/2024</a:t>
             </a:fld>
             <a:endParaRPr lang="pt-BR"/>
           </a:p>
@@ -748,7 +748,7 @@
           <a:p>
             <a:fld id="{D0EA8619-360D-4F4E-9D74-9A8FFFF3D2F5}" type="datetimeFigureOut">
               <a:rPr lang="pt-BR" smtClean="0"/>
-              <a:t>25/06/2024</a:t>
+              <a:t>26/06/2024</a:t>
             </a:fld>
             <a:endParaRPr lang="pt-BR"/>
           </a:p>
@@ -998,7 +998,7 @@
           <a:p>
             <a:fld id="{D0EA8619-360D-4F4E-9D74-9A8FFFF3D2F5}" type="datetimeFigureOut">
               <a:rPr lang="pt-BR" smtClean="0"/>
-              <a:t>25/06/2024</a:t>
+              <a:t>26/06/2024</a:t>
             </a:fld>
             <a:endParaRPr lang="pt-BR"/>
           </a:p>
@@ -1306,7 +1306,7 @@
           <a:p>
             <a:fld id="{D0EA8619-360D-4F4E-9D74-9A8FFFF3D2F5}" type="datetimeFigureOut">
               <a:rPr lang="pt-BR" smtClean="0"/>
-              <a:t>25/06/2024</a:t>
+              <a:t>26/06/2024</a:t>
             </a:fld>
             <a:endParaRPr lang="pt-BR"/>
           </a:p>
@@ -1624,7 +1624,7 @@
           <a:p>
             <a:fld id="{D0EA8619-360D-4F4E-9D74-9A8FFFF3D2F5}" type="datetimeFigureOut">
               <a:rPr lang="pt-BR" smtClean="0"/>
-              <a:t>25/06/2024</a:t>
+              <a:t>26/06/2024</a:t>
             </a:fld>
             <a:endParaRPr lang="pt-BR"/>
           </a:p>
@@ -1926,7 +1926,7 @@
           <a:p>
             <a:fld id="{D0EA8619-360D-4F4E-9D74-9A8FFFF3D2F5}" type="datetimeFigureOut">
               <a:rPr lang="pt-BR" smtClean="0"/>
-              <a:t>25/06/2024</a:t>
+              <a:t>26/06/2024</a:t>
             </a:fld>
             <a:endParaRPr lang="pt-BR"/>
           </a:p>
@@ -2293,7 +2293,7 @@
           <a:p>
             <a:fld id="{D0EA8619-360D-4F4E-9D74-9A8FFFF3D2F5}" type="datetimeFigureOut">
               <a:rPr lang="pt-BR" smtClean="0"/>
-              <a:t>25/06/2024</a:t>
+              <a:t>26/06/2024</a:t>
             </a:fld>
             <a:endParaRPr lang="pt-BR"/>
           </a:p>
@@ -2467,7 +2467,7 @@
           <a:p>
             <a:fld id="{D0EA8619-360D-4F4E-9D74-9A8FFFF3D2F5}" type="datetimeFigureOut">
               <a:rPr lang="pt-BR" smtClean="0"/>
-              <a:t>25/06/2024</a:t>
+              <a:t>26/06/2024</a:t>
             </a:fld>
             <a:endParaRPr lang="pt-BR"/>
           </a:p>
@@ -2647,7 +2647,7 @@
           <a:p>
             <a:fld id="{D0EA8619-360D-4F4E-9D74-9A8FFFF3D2F5}" type="datetimeFigureOut">
               <a:rPr lang="pt-BR" smtClean="0"/>
-              <a:t>25/06/2024</a:t>
+              <a:t>26/06/2024</a:t>
             </a:fld>
             <a:endParaRPr lang="pt-BR"/>
           </a:p>
@@ -2817,7 +2817,7 @@
           <a:p>
             <a:fld id="{D0EA8619-360D-4F4E-9D74-9A8FFFF3D2F5}" type="datetimeFigureOut">
               <a:rPr lang="pt-BR" smtClean="0"/>
-              <a:t>25/06/2024</a:t>
+              <a:t>26/06/2024</a:t>
             </a:fld>
             <a:endParaRPr lang="pt-BR"/>
           </a:p>
@@ -3067,7 +3067,7 @@
           <a:p>
             <a:fld id="{D0EA8619-360D-4F4E-9D74-9A8FFFF3D2F5}" type="datetimeFigureOut">
               <a:rPr lang="pt-BR" smtClean="0"/>
-              <a:t>25/06/2024</a:t>
+              <a:t>26/06/2024</a:t>
             </a:fld>
             <a:endParaRPr lang="pt-BR"/>
           </a:p>
@@ -3303,7 +3303,7 @@
           <a:p>
             <a:fld id="{D0EA8619-360D-4F4E-9D74-9A8FFFF3D2F5}" type="datetimeFigureOut">
               <a:rPr lang="pt-BR" smtClean="0"/>
-              <a:t>25/06/2024</a:t>
+              <a:t>26/06/2024</a:t>
             </a:fld>
             <a:endParaRPr lang="pt-BR"/>
           </a:p>
@@ -3685,7 +3685,7 @@
           <a:p>
             <a:fld id="{D0EA8619-360D-4F4E-9D74-9A8FFFF3D2F5}" type="datetimeFigureOut">
               <a:rPr lang="pt-BR" smtClean="0"/>
-              <a:t>25/06/2024</a:t>
+              <a:t>26/06/2024</a:t>
             </a:fld>
             <a:endParaRPr lang="pt-BR"/>
           </a:p>
@@ -3803,7 +3803,7 @@
           <a:p>
             <a:fld id="{D0EA8619-360D-4F4E-9D74-9A8FFFF3D2F5}" type="datetimeFigureOut">
               <a:rPr lang="pt-BR" smtClean="0"/>
-              <a:t>25/06/2024</a:t>
+              <a:t>26/06/2024</a:t>
             </a:fld>
             <a:endParaRPr lang="pt-BR"/>
           </a:p>
@@ -3898,7 +3898,7 @@
           <a:p>
             <a:fld id="{D0EA8619-360D-4F4E-9D74-9A8FFFF3D2F5}" type="datetimeFigureOut">
               <a:rPr lang="pt-BR" smtClean="0"/>
-              <a:t>25/06/2024</a:t>
+              <a:t>26/06/2024</a:t>
             </a:fld>
             <a:endParaRPr lang="pt-BR"/>
           </a:p>
@@ -4153,7 +4153,7 @@
           <a:p>
             <a:fld id="{D0EA8619-360D-4F4E-9D74-9A8FFFF3D2F5}" type="datetimeFigureOut">
               <a:rPr lang="pt-BR" smtClean="0"/>
-              <a:t>25/06/2024</a:t>
+              <a:t>26/06/2024</a:t>
             </a:fld>
             <a:endParaRPr lang="pt-BR"/>
           </a:p>
@@ -4436,7 +4436,7 @@
           <a:p>
             <a:fld id="{D0EA8619-360D-4F4E-9D74-9A8FFFF3D2F5}" type="datetimeFigureOut">
               <a:rPr lang="pt-BR" smtClean="0"/>
-              <a:t>25/06/2024</a:t>
+              <a:t>26/06/2024</a:t>
             </a:fld>
             <a:endParaRPr lang="pt-BR"/>
           </a:p>
@@ -4842,7 +4842,7 @@
           <a:p>
             <a:fld id="{D0EA8619-360D-4F4E-9D74-9A8FFFF3D2F5}" type="datetimeFigureOut">
               <a:rPr lang="pt-BR" smtClean="0"/>
-              <a:t>25/06/2024</a:t>
+              <a:t>26/06/2024</a:t>
             </a:fld>
             <a:endParaRPr lang="pt-BR"/>
           </a:p>
@@ -9787,6 +9787,49 @@
           </a:prstGeom>
         </p:spPr>
       </p:pic>
+      <p:sp>
+        <p:nvSpPr>
+          <p:cNvPr id="4" name="CaixaDeTexto 3">
+            <a:extLst>
+              <a:ext uri="{FF2B5EF4-FFF2-40B4-BE49-F238E27FC236}">
+                <a16:creationId xmlns:a16="http://schemas.microsoft.com/office/drawing/2014/main" id="{8B6E8041-EB05-559F-1898-D65186020548}"/>
+              </a:ext>
+            </a:extLst>
+          </p:cNvPr>
+          <p:cNvSpPr txBox="1"/>
+          <p:nvPr/>
+        </p:nvSpPr>
+        <p:spPr>
+          <a:xfrm>
+            <a:off x="585599" y="6074229"/>
+            <a:ext cx="5705408" cy="369332"/>
+          </a:xfrm>
+          <a:prstGeom prst="rect">
+            <a:avLst/>
+          </a:prstGeom>
+          <a:noFill/>
+        </p:spPr>
+        <p:txBody>
+          <a:bodyPr wrap="none" rtlCol="0">
+            <a:spAutoFit/>
+          </a:bodyPr>
+          <a:lstStyle/>
+          <a:p>
+            <a:r>
+              <a:rPr lang="pt-BR" dirty="0"/>
+              <a:t>Link </a:t>
+            </a:r>
+            <a:r>
+              <a:rPr lang="pt-BR" dirty="0" err="1"/>
+              <a:t>github</a:t>
+            </a:r>
+            <a:r>
+              <a:rPr lang="pt-BR" dirty="0"/>
+              <a:t>: www.github.com/Zoldyako/PI2-Fatec</a:t>
+            </a:r>
+          </a:p>
+        </p:txBody>
+      </p:sp>
     </p:spTree>
     <p:extLst>
       <p:ext uri="{BB962C8B-B14F-4D97-AF65-F5344CB8AC3E}">
